--- a/presentation/defense.pptx
+++ b/presentation/defense.pptx
@@ -376,11 +376,11 @@
         </c:dLbls>
         <c:gapWidth val="150"/>
         <c:overlap val="100"/>
-        <c:axId val="170313984"/>
-        <c:axId val="170315776"/>
+        <c:axId val="154466560"/>
+        <c:axId val="158978048"/>
       </c:barChart>
       <c:catAx>
-        <c:axId val="170313984"/>
+        <c:axId val="154466560"/>
         <c:scaling>
           <c:orientation val="minMax"/>
         </c:scaling>
@@ -399,7 +399,7 @@
             <a:endParaRPr lang="en-US"/>
           </a:p>
         </c:txPr>
-        <c:crossAx val="170315776"/>
+        <c:crossAx val="158978048"/>
         <c:crosses val="autoZero"/>
         <c:auto val="1"/>
         <c:lblAlgn val="ctr"/>
@@ -407,7 +407,7 @@
         <c:noMultiLvlLbl val="0"/>
       </c:catAx>
       <c:valAx>
-        <c:axId val="170315776"/>
+        <c:axId val="158978048"/>
         <c:scaling>
           <c:orientation val="minMax"/>
           <c:min val="0"/>
@@ -429,7 +429,7 @@
             <a:endParaRPr lang="en-US"/>
           </a:p>
         </c:txPr>
-        <c:crossAx val="170313984"/>
+        <c:crossAx val="154466560"/>
         <c:crosses val="autoZero"/>
         <c:crossBetween val="between"/>
       </c:valAx>
@@ -652,11 +652,11 @@
         </c:dLbls>
         <c:gapWidth val="150"/>
         <c:overlap val="100"/>
-        <c:axId val="122992128"/>
-        <c:axId val="123636736"/>
+        <c:axId val="163592832"/>
+        <c:axId val="163611008"/>
       </c:barChart>
       <c:catAx>
-        <c:axId val="122992128"/>
+        <c:axId val="163592832"/>
         <c:scaling>
           <c:orientation val="minMax"/>
         </c:scaling>
@@ -675,7 +675,7 @@
             <a:endParaRPr lang="en-US"/>
           </a:p>
         </c:txPr>
-        <c:crossAx val="123636736"/>
+        <c:crossAx val="163611008"/>
         <c:crosses val="autoZero"/>
         <c:auto val="0"/>
         <c:lblAlgn val="ctr"/>
@@ -684,7 +684,7 @@
         <c:noMultiLvlLbl val="0"/>
       </c:catAx>
       <c:valAx>
-        <c:axId val="123636736"/>
+        <c:axId val="163611008"/>
         <c:scaling>
           <c:orientation val="minMax"/>
           <c:min val="-2.0000000000000004E-2"/>
@@ -706,7 +706,7 @@
             <a:endParaRPr lang="en-US"/>
           </a:p>
         </c:txPr>
-        <c:crossAx val="122992128"/>
+        <c:crossAx val="163592832"/>
         <c:crosses val="autoZero"/>
         <c:crossBetween val="between"/>
       </c:valAx>
@@ -904,11 +904,11 @@
           <c:showBubbleSize val="0"/>
         </c:dLbls>
         <c:gapWidth val="150"/>
-        <c:axId val="209910784"/>
-        <c:axId val="210216064"/>
+        <c:axId val="163640448"/>
+        <c:axId val="163642368"/>
       </c:barChart>
       <c:catAx>
-        <c:axId val="209910784"/>
+        <c:axId val="163640448"/>
         <c:scaling>
           <c:orientation val="minMax"/>
         </c:scaling>
@@ -956,7 +956,7 @@
             <a:endParaRPr lang="en-US"/>
           </a:p>
         </c:txPr>
-        <c:crossAx val="210216064"/>
+        <c:crossAx val="163642368"/>
         <c:crosses val="autoZero"/>
         <c:auto val="1"/>
         <c:lblAlgn val="ctr"/>
@@ -964,7 +964,7 @@
         <c:noMultiLvlLbl val="0"/>
       </c:catAx>
       <c:valAx>
-        <c:axId val="210216064"/>
+        <c:axId val="163642368"/>
         <c:scaling>
           <c:orientation val="minMax"/>
         </c:scaling>
@@ -1013,7 +1013,7 @@
             <a:endParaRPr lang="en-US"/>
           </a:p>
         </c:txPr>
-        <c:crossAx val="209910784"/>
+        <c:crossAx val="163640448"/>
         <c:crosses val="autoZero"/>
         <c:crossBetween val="between"/>
       </c:valAx>
@@ -1500,11 +1500,11 @@
           <c:showBubbleSize val="0"/>
         </c:dLbls>
         <c:gapWidth val="58"/>
-        <c:axId val="122990592"/>
-        <c:axId val="123703296"/>
+        <c:axId val="163701888"/>
+        <c:axId val="163703424"/>
       </c:barChart>
       <c:catAx>
-        <c:axId val="122990592"/>
+        <c:axId val="163701888"/>
         <c:scaling>
           <c:orientation val="minMax"/>
         </c:scaling>
@@ -1523,7 +1523,7 @@
             <a:endParaRPr lang="en-US"/>
           </a:p>
         </c:txPr>
-        <c:crossAx val="123703296"/>
+        <c:crossAx val="163703424"/>
         <c:crosses val="autoZero"/>
         <c:auto val="1"/>
         <c:lblAlgn val="ctr"/>
@@ -1531,7 +1531,7 @@
         <c:noMultiLvlLbl val="0"/>
       </c:catAx>
       <c:valAx>
-        <c:axId val="123703296"/>
+        <c:axId val="163703424"/>
         <c:scaling>
           <c:orientation val="minMax"/>
           <c:min val="0.32200000000000012"/>
@@ -1562,7 +1562,7 @@
         <c:majorTickMark val="out"/>
         <c:minorTickMark val="none"/>
         <c:tickLblPos val="nextTo"/>
-        <c:crossAx val="122990592"/>
+        <c:crossAx val="163701888"/>
         <c:crosses val="autoZero"/>
         <c:crossBetween val="between"/>
         <c:majorUnit val="2.0000000000000009E-3"/>
@@ -1828,11 +1828,11 @@
         </c:dLbls>
         <c:gapWidth val="150"/>
         <c:overlap val="100"/>
-        <c:axId val="175722880"/>
-        <c:axId val="175724416"/>
+        <c:axId val="160506240"/>
+        <c:axId val="160507776"/>
       </c:barChart>
       <c:catAx>
-        <c:axId val="175722880"/>
+        <c:axId val="160506240"/>
         <c:scaling>
           <c:orientation val="minMax"/>
         </c:scaling>
@@ -1852,7 +1852,7 @@
             <a:endParaRPr lang="en-US"/>
           </a:p>
         </c:txPr>
-        <c:crossAx val="175724416"/>
+        <c:crossAx val="160507776"/>
         <c:crosses val="autoZero"/>
         <c:auto val="1"/>
         <c:lblAlgn val="ctr"/>
@@ -1860,7 +1860,7 @@
         <c:noMultiLvlLbl val="0"/>
       </c:catAx>
       <c:valAx>
-        <c:axId val="175724416"/>
+        <c:axId val="160507776"/>
         <c:scaling>
           <c:orientation val="minMax"/>
           <c:min val="0"/>
@@ -1882,7 +1882,7 @@
             <a:endParaRPr lang="en-US"/>
           </a:p>
         </c:txPr>
-        <c:crossAx val="175722880"/>
+        <c:crossAx val="160506240"/>
         <c:crosses val="autoZero"/>
         <c:crossBetween val="between"/>
       </c:valAx>
@@ -2077,11 +2077,11 @@
           <c:showBubbleSize val="0"/>
         </c:dLbls>
         <c:gapWidth val="150"/>
-        <c:axId val="175750528"/>
-        <c:axId val="175764608"/>
+        <c:axId val="160533888"/>
+        <c:axId val="160560256"/>
       </c:barChart>
       <c:catAx>
-        <c:axId val="175750528"/>
+        <c:axId val="160533888"/>
         <c:scaling>
           <c:orientation val="minMax"/>
         </c:scaling>
@@ -2100,7 +2100,7 @@
             <a:endParaRPr lang="en-US"/>
           </a:p>
         </c:txPr>
-        <c:crossAx val="175764608"/>
+        <c:crossAx val="160560256"/>
         <c:crosses val="autoZero"/>
         <c:auto val="1"/>
         <c:lblAlgn val="ctr"/>
@@ -2108,7 +2108,7 @@
         <c:noMultiLvlLbl val="0"/>
       </c:catAx>
       <c:valAx>
-        <c:axId val="175764608"/>
+        <c:axId val="160560256"/>
         <c:scaling>
           <c:orientation val="minMax"/>
           <c:max val="1"/>
@@ -2130,7 +2130,7 @@
             <a:endParaRPr lang="en-US"/>
           </a:p>
         </c:txPr>
-        <c:crossAx val="175750528"/>
+        <c:crossAx val="160533888"/>
         <c:crosses val="autoZero"/>
         <c:crossBetween val="between"/>
       </c:valAx>
@@ -2370,8 +2370,8 @@
           <c:showBubbleSize val="0"/>
         </c:dLbls>
         <c:gapWidth val="150"/>
-        <c:axId val="175626880"/>
-        <c:axId val="175628672"/>
+        <c:axId val="162384128"/>
+        <c:axId val="162385920"/>
       </c:barChart>
       <c:barChart>
         <c:barDir val="col"/>
@@ -2570,11 +2570,11 @@
           <c:showBubbleSize val="0"/>
         </c:dLbls>
         <c:gapWidth val="150"/>
-        <c:axId val="175640960"/>
-        <c:axId val="175630592"/>
+        <c:axId val="162390016"/>
+        <c:axId val="162387840"/>
       </c:barChart>
       <c:catAx>
-        <c:axId val="175626880"/>
+        <c:axId val="162384128"/>
         <c:scaling>
           <c:orientation val="minMax"/>
         </c:scaling>
@@ -2593,7 +2593,7 @@
             <a:endParaRPr lang="en-US"/>
           </a:p>
         </c:txPr>
-        <c:crossAx val="175628672"/>
+        <c:crossAx val="162385920"/>
         <c:crosses val="autoZero"/>
         <c:auto val="1"/>
         <c:lblAlgn val="ctr"/>
@@ -2601,7 +2601,7 @@
         <c:noMultiLvlLbl val="0"/>
       </c:catAx>
       <c:valAx>
-        <c:axId val="175628672"/>
+        <c:axId val="162385920"/>
         <c:scaling>
           <c:orientation val="minMax"/>
           <c:max val="360"/>
@@ -2644,12 +2644,12 @@
             <a:endParaRPr lang="en-US"/>
           </a:p>
         </c:txPr>
-        <c:crossAx val="175626880"/>
+        <c:crossAx val="162384128"/>
         <c:crosses val="autoZero"/>
         <c:crossBetween val="between"/>
       </c:valAx>
       <c:valAx>
-        <c:axId val="175630592"/>
+        <c:axId val="162387840"/>
         <c:scaling>
           <c:orientation val="minMax"/>
           <c:min val="0.26"/>
@@ -2694,12 +2694,12 @@
             <a:endParaRPr lang="en-US"/>
           </a:p>
         </c:txPr>
-        <c:crossAx val="175640960"/>
+        <c:crossAx val="162390016"/>
         <c:crosses val="max"/>
         <c:crossBetween val="between"/>
       </c:valAx>
       <c:catAx>
-        <c:axId val="175640960"/>
+        <c:axId val="162390016"/>
         <c:scaling>
           <c:orientation val="minMax"/>
         </c:scaling>
@@ -2708,7 +2708,7 @@
         <c:majorTickMark val="out"/>
         <c:minorTickMark val="none"/>
         <c:tickLblPos val="nextTo"/>
-        <c:crossAx val="175630592"/>
+        <c:crossAx val="162387840"/>
         <c:crosses val="autoZero"/>
         <c:auto val="1"/>
         <c:lblAlgn val="ctr"/>
@@ -2925,8 +2925,8 @@
           <c:showBubbleSize val="0"/>
         </c:dLbls>
         <c:gapWidth val="150"/>
-        <c:axId val="132586112"/>
-        <c:axId val="140856320"/>
+        <c:axId val="160283264"/>
+        <c:axId val="160293248"/>
       </c:barChart>
       <c:barChart>
         <c:barDir val="col"/>
@@ -3126,11 +3126,11 @@
           <c:showBubbleSize val="0"/>
         </c:dLbls>
         <c:gapWidth val="150"/>
-        <c:axId val="162866688"/>
-        <c:axId val="159206400"/>
+        <c:axId val="160301440"/>
+        <c:axId val="160295168"/>
       </c:barChart>
       <c:catAx>
-        <c:axId val="132586112"/>
+        <c:axId val="160283264"/>
         <c:scaling>
           <c:orientation val="minMax"/>
         </c:scaling>
@@ -3149,7 +3149,7 @@
             <a:endParaRPr lang="en-US"/>
           </a:p>
         </c:txPr>
-        <c:crossAx val="140856320"/>
+        <c:crossAx val="160293248"/>
         <c:crosses val="autoZero"/>
         <c:auto val="1"/>
         <c:lblAlgn val="ctr"/>
@@ -3157,7 +3157,7 @@
         <c:noMultiLvlLbl val="0"/>
       </c:catAx>
       <c:valAx>
-        <c:axId val="140856320"/>
+        <c:axId val="160293248"/>
         <c:scaling>
           <c:orientation val="minMax"/>
           <c:max val="1.1500000000000001"/>
@@ -3214,13 +3214,13 @@
             <a:endParaRPr lang="en-US"/>
           </a:p>
         </c:txPr>
-        <c:crossAx val="132586112"/>
+        <c:crossAx val="160283264"/>
         <c:crosses val="autoZero"/>
         <c:crossBetween val="between"/>
         <c:majorUnit val="5.000000000000001E-2"/>
       </c:valAx>
       <c:valAx>
-        <c:axId val="159206400"/>
+        <c:axId val="160295168"/>
         <c:scaling>
           <c:orientation val="minMax"/>
           <c:min val="74"/>
@@ -3261,12 +3261,12 @@
             <a:endParaRPr lang="en-US"/>
           </a:p>
         </c:txPr>
-        <c:crossAx val="162866688"/>
+        <c:crossAx val="160301440"/>
         <c:crosses val="max"/>
         <c:crossBetween val="between"/>
       </c:valAx>
       <c:catAx>
-        <c:axId val="162866688"/>
+        <c:axId val="160301440"/>
         <c:scaling>
           <c:orientation val="minMax"/>
         </c:scaling>
@@ -3275,7 +3275,7 @@
         <c:majorTickMark val="out"/>
         <c:minorTickMark val="none"/>
         <c:tickLblPos val="nextTo"/>
-        <c:crossAx val="159206400"/>
+        <c:crossAx val="160295168"/>
         <c:crosses val="autoZero"/>
         <c:auto val="1"/>
         <c:lblAlgn val="ctr"/>
@@ -3573,11 +3573,11 @@
         </c:dLbls>
         <c:marker val="1"/>
         <c:smooth val="0"/>
-        <c:axId val="175783296"/>
-        <c:axId val="175793280"/>
+        <c:axId val="160432896"/>
+        <c:axId val="160434432"/>
       </c:lineChart>
       <c:catAx>
-        <c:axId val="175783296"/>
+        <c:axId val="160432896"/>
         <c:scaling>
           <c:orientation val="minMax"/>
         </c:scaling>
@@ -3599,7 +3599,7 @@
             <a:endParaRPr lang="en-US"/>
           </a:p>
         </c:txPr>
-        <c:crossAx val="175793280"/>
+        <c:crossAx val="160434432"/>
         <c:crosses val="autoZero"/>
         <c:auto val="1"/>
         <c:lblAlgn val="ctr"/>
@@ -3607,7 +3607,7 @@
         <c:noMultiLvlLbl val="0"/>
       </c:catAx>
       <c:valAx>
-        <c:axId val="175793280"/>
+        <c:axId val="160434432"/>
         <c:scaling>
           <c:orientation val="minMax"/>
           <c:max val="20"/>
@@ -3654,7 +3654,7 @@
             <a:endParaRPr lang="en-US"/>
           </a:p>
         </c:txPr>
-        <c:crossAx val="175783296"/>
+        <c:crossAx val="160432896"/>
         <c:crosses val="autoZero"/>
         <c:crossBetween val="between"/>
       </c:valAx>
@@ -4168,11 +4168,11 @@
           <c:showBubbleSize val="0"/>
         </c:dLbls>
         <c:gapWidth val="50"/>
-        <c:axId val="173785856"/>
-        <c:axId val="173787392"/>
+        <c:axId val="162268288"/>
+        <c:axId val="162269824"/>
       </c:barChart>
       <c:catAx>
-        <c:axId val="173785856"/>
+        <c:axId val="162268288"/>
         <c:scaling>
           <c:orientation val="minMax"/>
         </c:scaling>
@@ -4191,7 +4191,7 @@
             <a:endParaRPr lang="en-US"/>
           </a:p>
         </c:txPr>
-        <c:crossAx val="173787392"/>
+        <c:crossAx val="162269824"/>
         <c:crosses val="autoZero"/>
         <c:auto val="1"/>
         <c:lblAlgn val="ctr"/>
@@ -4199,7 +4199,7 @@
         <c:noMultiLvlLbl val="0"/>
       </c:catAx>
       <c:valAx>
-        <c:axId val="173787392"/>
+        <c:axId val="162269824"/>
         <c:scaling>
           <c:orientation val="minMax"/>
         </c:scaling>
@@ -4229,7 +4229,7 @@
         <c:majorTickMark val="out"/>
         <c:minorTickMark val="none"/>
         <c:tickLblPos val="nextTo"/>
-        <c:crossAx val="173785856"/>
+        <c:crossAx val="162268288"/>
         <c:crosses val="autoZero"/>
         <c:crossBetween val="between"/>
       </c:valAx>
@@ -4735,11 +4735,11 @@
           <c:showBubbleSize val="0"/>
         </c:dLbls>
         <c:gapWidth val="50"/>
-        <c:axId val="184845056"/>
-        <c:axId val="184846592"/>
+        <c:axId val="162317440"/>
+        <c:axId val="162318976"/>
       </c:barChart>
       <c:catAx>
-        <c:axId val="184845056"/>
+        <c:axId val="162317440"/>
         <c:scaling>
           <c:orientation val="minMax"/>
         </c:scaling>
@@ -4758,7 +4758,7 @@
             <a:endParaRPr lang="en-US"/>
           </a:p>
         </c:txPr>
-        <c:crossAx val="184846592"/>
+        <c:crossAx val="162318976"/>
         <c:crosses val="autoZero"/>
         <c:auto val="1"/>
         <c:lblAlgn val="ctr"/>
@@ -4766,7 +4766,7 @@
         <c:noMultiLvlLbl val="0"/>
       </c:catAx>
       <c:valAx>
-        <c:axId val="184846592"/>
+        <c:axId val="162318976"/>
         <c:scaling>
           <c:orientation val="minMax"/>
           <c:max val="280"/>
@@ -4798,7 +4798,7 @@
         <c:majorTickMark val="out"/>
         <c:minorTickMark val="none"/>
         <c:tickLblPos val="nextTo"/>
-        <c:crossAx val="184845056"/>
+        <c:crossAx val="162317440"/>
         <c:crosses val="autoZero"/>
         <c:crossBetween val="between"/>
       </c:valAx>
@@ -5262,11 +5262,11 @@
           <c:showBubbleSize val="0"/>
         </c:dLbls>
         <c:gapWidth val="48"/>
-        <c:axId val="186487552"/>
-        <c:axId val="186489088"/>
+        <c:axId val="162440320"/>
+        <c:axId val="162441856"/>
       </c:barChart>
       <c:catAx>
-        <c:axId val="186487552"/>
+        <c:axId val="162440320"/>
         <c:scaling>
           <c:orientation val="minMax"/>
         </c:scaling>
@@ -5275,7 +5275,7 @@
         <c:majorTickMark val="out"/>
         <c:minorTickMark val="none"/>
         <c:tickLblPos val="nextTo"/>
-        <c:crossAx val="186489088"/>
+        <c:crossAx val="162441856"/>
         <c:crosses val="autoZero"/>
         <c:auto val="1"/>
         <c:lblAlgn val="ctr"/>
@@ -5283,7 +5283,7 @@
         <c:noMultiLvlLbl val="0"/>
       </c:catAx>
       <c:valAx>
-        <c:axId val="186489088"/>
+        <c:axId val="162441856"/>
         <c:scaling>
           <c:orientation val="minMax"/>
           <c:max val="90"/>
@@ -5315,7 +5315,7 @@
         <c:majorTickMark val="out"/>
         <c:minorTickMark val="none"/>
         <c:tickLblPos val="nextTo"/>
-        <c:crossAx val="186487552"/>
+        <c:crossAx val="162440320"/>
         <c:crosses val="autoZero"/>
         <c:crossBetween val="between"/>
       </c:valAx>
@@ -6841,7 +6841,7 @@
           <a:p>
             <a:fld id="{193C0D47-2225-4D24-AA75-D9B7C8AFF227}" type="datetimeFigureOut">
               <a:rPr lang="en-US" smtClean="0"/>
-              <a:t>8/29/2014</a:t>
+              <a:t>9/1/2014</a:t>
             </a:fld>
             <a:endParaRPr lang="en-US"/>
           </a:p>
@@ -7007,7 +7007,7 @@
           <a:p>
             <a:fld id="{1F58A4DD-8282-4F46-9AB5-3F09F8B0021F}" type="datetimeFigureOut">
               <a:rPr lang="en-US" smtClean="0"/>
-              <a:t>8/29/2014</a:t>
+              <a:t>9/1/2014</a:t>
             </a:fld>
             <a:endParaRPr lang="en-US"/>
           </a:p>
@@ -7541,7 +7541,7 @@
           <a:p>
             <a:fld id="{F65230FE-7BC7-4052-8407-2780FEB38175}" type="datetime1">
               <a:rPr lang="en-US" smtClean="0"/>
-              <a:t>8/29/2014</a:t>
+              <a:t>9/1/2014</a:t>
             </a:fld>
             <a:endParaRPr lang="en-US" dirty="0"/>
           </a:p>
@@ -7727,7 +7727,7 @@
           <a:p>
             <a:fld id="{683BA984-A100-4BA6-9409-1901E229EE15}" type="datetime1">
               <a:rPr lang="en-US" smtClean="0"/>
-              <a:t>8/29/2014</a:t>
+              <a:t>9/1/2014</a:t>
             </a:fld>
             <a:endParaRPr lang="en-US"/>
           </a:p>
@@ -7914,7 +7914,7 @@
           <a:p>
             <a:fld id="{F080BEC5-EEAC-46E6-A2C4-457F5421477D}" type="datetime1">
               <a:rPr lang="en-US" smtClean="0"/>
-              <a:t>8/29/2014</a:t>
+              <a:t>9/1/2014</a:t>
             </a:fld>
             <a:endParaRPr lang="en-US"/>
           </a:p>
@@ -8112,7 +8112,7 @@
           <a:p>
             <a:fld id="{5A8A0806-4781-41C6-94C8-64F6476CE849}" type="datetime1">
               <a:rPr lang="en-US" smtClean="0"/>
-              <a:t>8/29/2014</a:t>
+              <a:t>9/1/2014</a:t>
             </a:fld>
             <a:endParaRPr lang="en-US"/>
           </a:p>
@@ -8365,7 +8365,7 @@
           <a:p>
             <a:fld id="{FDC9BFCA-51BA-40E8-B0FF-AA5D7031B1B6}" type="datetime1">
               <a:rPr lang="en-US" smtClean="0"/>
-              <a:t>8/29/2014</a:t>
+              <a:t>9/1/2014</a:t>
             </a:fld>
             <a:endParaRPr lang="en-US"/>
           </a:p>
@@ -8676,7 +8676,7 @@
           <a:p>
             <a:fld id="{BD56A612-9A5F-4584-8C7E-1723F50BB37E}" type="datetime1">
               <a:rPr lang="en-US" smtClean="0"/>
-              <a:t>8/29/2014</a:t>
+              <a:t>9/1/2014</a:t>
             </a:fld>
             <a:endParaRPr lang="en-US"/>
           </a:p>
@@ -9117,7 +9117,7 @@
           <a:p>
             <a:fld id="{C8565822-3DBE-4EE9-B7C1-26253DEDC190}" type="datetime1">
               <a:rPr lang="en-US" smtClean="0"/>
-              <a:t>8/29/2014</a:t>
+              <a:t>9/1/2014</a:t>
             </a:fld>
             <a:endParaRPr lang="en-US"/>
           </a:p>
@@ -9258,7 +9258,7 @@
           <a:p>
             <a:fld id="{F7504457-DF5A-4C8A-9C71-44BE4950CA4A}" type="datetime1">
               <a:rPr lang="en-US" smtClean="0"/>
-              <a:t>8/29/2014</a:t>
+              <a:t>9/1/2014</a:t>
             </a:fld>
             <a:endParaRPr lang="en-US"/>
           </a:p>
@@ -9360,7 +9360,7 @@
           <a:p>
             <a:fld id="{F3A32CD6-3275-4AA9-997D-62071C1C106A}" type="datetime1">
               <a:rPr lang="en-US" smtClean="0"/>
-              <a:t>8/29/2014</a:t>
+              <a:t>9/1/2014</a:t>
             </a:fld>
             <a:endParaRPr lang="en-US"/>
           </a:p>
@@ -9644,7 +9644,7 @@
           <a:p>
             <a:fld id="{EAAE3772-EA69-4CBA-B44A-BD763740D1C7}" type="datetime1">
               <a:rPr lang="en-US" smtClean="0"/>
-              <a:t>8/29/2014</a:t>
+              <a:t>9/1/2014</a:t>
             </a:fld>
             <a:endParaRPr lang="en-US"/>
           </a:p>
@@ -9904,7 +9904,7 @@
           <a:p>
             <a:fld id="{B14F1248-72E8-4743-B1F9-F0B12CE94A2F}" type="datetime1">
               <a:rPr lang="en-US" smtClean="0"/>
-              <a:t>8/29/2014</a:t>
+              <a:t>9/1/2014</a:t>
             </a:fld>
             <a:endParaRPr lang="en-US"/>
           </a:p>
@@ -10127,7 +10127,7 @@
           <a:p>
             <a:fld id="{E905AD09-3214-495C-88DE-49DF2E1AF1A5}" type="datetime1">
               <a:rPr lang="en-US" smtClean="0"/>
-              <a:t>8/29/2014</a:t>
+              <a:t>9/1/2014</a:t>
             </a:fld>
             <a:endParaRPr lang="en-US"/>
           </a:p>
@@ -12434,8 +12434,8 @@
         </p:nvSpPr>
         <p:spPr>
           <a:xfrm>
-            <a:off x="3124200" y="2595741"/>
-            <a:ext cx="1066800" cy="646331"/>
+            <a:off x="3200400" y="2595741"/>
+            <a:ext cx="914400" cy="646331"/>
           </a:xfrm>
           <a:prstGeom prst="rect">
             <a:avLst/>
@@ -12451,7 +12451,7 @@
             <a:pPr algn="ctr"/>
             <a:r>
               <a:rPr lang="en-US" dirty="0" smtClean="0"/>
-              <a:t>Pre- decode</a:t>
+              <a:t>Pre-decode</a:t>
             </a:r>
             <a:endParaRPr lang="en-US" dirty="0" smtClean="0"/>
           </a:p>
@@ -15254,7 +15254,15 @@
           <a:p>
             <a:r>
               <a:rPr lang="en-US" sz="2100" dirty="0" smtClean="0"/>
-              <a:t>BTB+FAC+RAS has little target prediction accuracy improvement  over FAC+RAS</a:t>
+              <a:t>BTB+FAC+RAS has little target prediction accuracy improvement </a:t>
+            </a:r>
+            <a:r>
+              <a:rPr lang="en-US" sz="2100" dirty="0" smtClean="0"/>
+              <a:t>over </a:t>
+            </a:r>
+            <a:r>
+              <a:rPr lang="en-US" sz="2100" dirty="0" smtClean="0"/>
+              <a:t>FAC+RAS</a:t>
             </a:r>
           </a:p>
         </p:txBody>
@@ -15979,14 +15987,6 @@
               </a:rPr>
               <a:t>Fast</a:t>
             </a:r>
-            <a:endParaRPr lang="en-US" sz="1400" b="1" dirty="0" smtClean="0">
-              <a:solidFill>
-                <a:schemeClr val="tx2">
-                  <a:lumMod val="60000"/>
-                  <a:lumOff val="40000"/>
-                </a:schemeClr>
-              </a:solidFill>
-            </a:endParaRPr>
           </a:p>
           <a:p>
             <a:pPr algn="ctr"/>
@@ -16076,11 +16076,6 @@
               </a:rPr>
               <a:t>Slower</a:t>
             </a:r>
-            <a:endParaRPr lang="en-US" sz="1400" b="1" dirty="0" smtClean="0">
-              <a:solidFill>
-                <a:srgbClr val="FF0000"/>
-              </a:solidFill>
-            </a:endParaRPr>
           </a:p>
         </p:txBody>
       </p:sp>
@@ -16116,13 +16111,6 @@
               </a:rPr>
               <a:t>More Accurate</a:t>
             </a:r>
-            <a:endParaRPr lang="en-US" sz="1400" b="1" dirty="0" smtClean="0">
-              <a:solidFill>
-                <a:schemeClr val="accent3">
-                  <a:lumMod val="75000"/>
-                </a:schemeClr>
-              </a:solidFill>
-            </a:endParaRPr>
           </a:p>
         </p:txBody>
       </p:sp>
@@ -16723,23 +16711,11 @@
           <a:p>
             <a:r>
               <a:rPr lang="en-US" dirty="0" smtClean="0"/>
-              <a:t>Timing </a:t>
-            </a:r>
-            <a:r>
-              <a:rPr lang="en-US" dirty="0" smtClean="0"/>
-              <a:t>Details </a:t>
-            </a:r>
-            <a:r>
-              <a:rPr lang="en-US" dirty="0" smtClean="0"/>
-              <a:t>of </a:t>
+              <a:t>Timing Details of </a:t>
             </a:r>
             <a:r>
               <a:rPr lang="en-US" dirty="0" err="1" smtClean="0"/>
-              <a:t>G</a:t>
-            </a:r>
-            <a:r>
-              <a:rPr lang="en-US" dirty="0" err="1" smtClean="0"/>
-              <a:t>share</a:t>
+              <a:t>Gshare</a:t>
             </a:r>
             <a:r>
               <a:rPr lang="en-US" dirty="0" smtClean="0"/>
@@ -26263,11 +26239,7 @@
           <a:p>
             <a:r>
               <a:rPr lang="en-US" sz="2400" dirty="0" smtClean="0"/>
-              <a:t>The Statistical Corrector Improves Accuracy by ~</a:t>
-            </a:r>
-            <a:r>
-              <a:rPr lang="en-US" sz="2400" dirty="0" smtClean="0"/>
-              <a:t>2.4x</a:t>
+              <a:t>The Statistical Corrector Improves Accuracy by ~2.4x</a:t>
             </a:r>
           </a:p>
           <a:p>
@@ -42176,7 +42148,11 @@
           <a:p>
             <a:r>
               <a:rPr lang="en-US" dirty="0" smtClean="0"/>
-              <a:t>Branch Prediction</a:t>
+              <a:t>Branch </a:t>
+            </a:r>
+            <a:r>
+              <a:rPr lang="en-US" dirty="0" smtClean="0"/>
+              <a:t>Prediction Overview</a:t>
             </a:r>
             <a:endParaRPr lang="en-US" dirty="0"/>
           </a:p>
@@ -43112,7 +43088,7 @@
                                   <p:childTnLst>
                                     <p:animClr clrSpc="rgb" dir="cw">
                                       <p:cBhvr>
-                                        <p:cTn id="6" dur="1500" fill="hold"/>
+                                        <p:cTn id="6" dur="500" fill="hold"/>
                                         <p:tgtEl>
                                           <p:spTgt spid="26"/>
                                         </p:tgtEl>
@@ -43126,7 +43102,7 @@
                                     </p:animClr>
                                     <p:set>
                                       <p:cBhvr>
-                                        <p:cTn id="7" dur="1500" fill="hold"/>
+                                        <p:cTn id="7" dur="500" fill="hold"/>
                                         <p:tgtEl>
                                           <p:spTgt spid="26"/>
                                         </p:tgtEl>
@@ -43140,7 +43116,7 @@
                                     </p:set>
                                     <p:set>
                                       <p:cBhvr>
-                                        <p:cTn id="8" dur="1500" fill="hold"/>
+                                        <p:cTn id="8" dur="500" fill="hold"/>
                                         <p:tgtEl>
                                           <p:spTgt spid="26"/>
                                         </p:tgtEl>
@@ -43776,7 +43752,7 @@
                                   <p:childTnLst>
                                     <p:animMotion origin="layout" path="M 1.11111E-6 -3.7037E-6 L -0.09306 -0.18009 " pathEditMode="relative" rAng="0" ptsTypes="AA">
                                       <p:cBhvr>
-                                        <p:cTn id="63" dur="2000" fill="hold"/>
+                                        <p:cTn id="63" dur="1000" fill="hold"/>
                                         <p:tgtEl>
                                           <p:spTgt spid="13"/>
                                         </p:tgtEl>
@@ -43798,7 +43774,7 @@
                                   <p:childTnLst>
                                     <p:animMotion origin="layout" path="M 3.33333E-6 -3.7037E-6 L -0.09584 -0.18009 " pathEditMode="relative" rAng="0" ptsTypes="AA">
                                       <p:cBhvr>
-                                        <p:cTn id="65" dur="2000" fill="hold"/>
+                                        <p:cTn id="65" dur="1000" fill="hold"/>
                                         <p:tgtEl>
                                           <p:spTgt spid="12"/>
                                         </p:tgtEl>
@@ -43818,7 +43794,7 @@
                         <p:par>
                           <p:cTn id="66" fill="hold">
                             <p:stCondLst>
-                              <p:cond delay="2000"/>
+                              <p:cond delay="1000"/>
                             </p:stCondLst>
                             <p:childTnLst>
                               <p:par>

--- a/presentation/defense.pptx
+++ b/presentation/defense.pptx
@@ -378,11 +378,11 @@
           <c:showPercent val="0"/>
           <c:showBubbleSize val="0"/>
         </c:dLbls>
-        <c:axId val="127209472"/>
-        <c:axId val="127266816"/>
+        <c:axId val="164283904"/>
+        <c:axId val="164285824"/>
       </c:scatterChart>
       <c:valAx>
-        <c:axId val="127209472"/>
+        <c:axId val="164283904"/>
         <c:scaling>
           <c:orientation val="minMax"/>
           <c:min val="150"/>
@@ -417,12 +417,12 @@
         <c:majorTickMark val="out"/>
         <c:minorTickMark val="none"/>
         <c:tickLblPos val="nextTo"/>
-        <c:crossAx val="127266816"/>
+        <c:crossAx val="164285824"/>
         <c:crosses val="autoZero"/>
         <c:crossBetween val="midCat"/>
       </c:valAx>
       <c:valAx>
-        <c:axId val="127266816"/>
+        <c:axId val="164285824"/>
         <c:scaling>
           <c:orientation val="maxMin"/>
         </c:scaling>
@@ -453,7 +453,7 @@
         <c:majorTickMark val="out"/>
         <c:minorTickMark val="none"/>
         <c:tickLblPos val="nextTo"/>
-        <c:crossAx val="127209472"/>
+        <c:crossAx val="164283904"/>
         <c:crosses val="autoZero"/>
         <c:crossBetween val="midCat"/>
       </c:valAx>
@@ -944,11 +944,11 @@
           <c:showBubbleSize val="0"/>
         </c:dLbls>
         <c:gapWidth val="50"/>
-        <c:axId val="189269888"/>
-        <c:axId val="189271424"/>
+        <c:axId val="178170496"/>
+        <c:axId val="178184576"/>
       </c:barChart>
       <c:catAx>
-        <c:axId val="189269888"/>
+        <c:axId val="178170496"/>
         <c:scaling>
           <c:orientation val="minMax"/>
         </c:scaling>
@@ -967,7 +967,7 @@
             <a:endParaRPr lang="en-US"/>
           </a:p>
         </c:txPr>
-        <c:crossAx val="189271424"/>
+        <c:crossAx val="178184576"/>
         <c:crosses val="autoZero"/>
         <c:auto val="1"/>
         <c:lblAlgn val="ctr"/>
@@ -975,7 +975,7 @@
         <c:noMultiLvlLbl val="0"/>
       </c:catAx>
       <c:valAx>
-        <c:axId val="189271424"/>
+        <c:axId val="178184576"/>
         <c:scaling>
           <c:orientation val="minMax"/>
           <c:max val="280"/>
@@ -1007,7 +1007,7 @@
         <c:majorTickMark val="out"/>
         <c:minorTickMark val="none"/>
         <c:tickLblPos val="nextTo"/>
-        <c:crossAx val="189269888"/>
+        <c:crossAx val="178170496"/>
         <c:crosses val="autoZero"/>
         <c:crossBetween val="between"/>
       </c:valAx>
@@ -1471,11 +1471,11 @@
           <c:showBubbleSize val="0"/>
         </c:dLbls>
         <c:gapWidth val="48"/>
-        <c:axId val="189073280"/>
-        <c:axId val="189074816"/>
+        <c:axId val="178561024"/>
+        <c:axId val="178562560"/>
       </c:barChart>
       <c:catAx>
-        <c:axId val="189073280"/>
+        <c:axId val="178561024"/>
         <c:scaling>
           <c:orientation val="minMax"/>
         </c:scaling>
@@ -1484,7 +1484,7 @@
         <c:majorTickMark val="out"/>
         <c:minorTickMark val="none"/>
         <c:tickLblPos val="nextTo"/>
-        <c:crossAx val="189074816"/>
+        <c:crossAx val="178562560"/>
         <c:crosses val="autoZero"/>
         <c:auto val="1"/>
         <c:lblAlgn val="ctr"/>
@@ -1492,7 +1492,7 @@
         <c:noMultiLvlLbl val="0"/>
       </c:catAx>
       <c:valAx>
-        <c:axId val="189074816"/>
+        <c:axId val="178562560"/>
         <c:scaling>
           <c:orientation val="minMax"/>
           <c:max val="90"/>
@@ -1524,7 +1524,7 @@
         <c:majorTickMark val="out"/>
         <c:minorTickMark val="none"/>
         <c:tickLblPos val="nextTo"/>
-        <c:crossAx val="189073280"/>
+        <c:crossAx val="178561024"/>
         <c:crosses val="autoZero"/>
         <c:crossBetween val="between"/>
       </c:valAx>
@@ -1748,11 +1748,11 @@
         </c:dLbls>
         <c:gapWidth val="150"/>
         <c:overlap val="100"/>
-        <c:axId val="189119872"/>
-        <c:axId val="189129856"/>
+        <c:axId val="178593152"/>
+        <c:axId val="178615424"/>
       </c:barChart>
       <c:catAx>
-        <c:axId val="189119872"/>
+        <c:axId val="178593152"/>
         <c:scaling>
           <c:orientation val="minMax"/>
         </c:scaling>
@@ -1771,7 +1771,7 @@
             <a:endParaRPr lang="en-US"/>
           </a:p>
         </c:txPr>
-        <c:crossAx val="189129856"/>
+        <c:crossAx val="178615424"/>
         <c:crosses val="autoZero"/>
         <c:auto val="0"/>
         <c:lblAlgn val="ctr"/>
@@ -1780,7 +1780,7 @@
         <c:noMultiLvlLbl val="0"/>
       </c:catAx>
       <c:valAx>
-        <c:axId val="189129856"/>
+        <c:axId val="178615424"/>
         <c:scaling>
           <c:orientation val="minMax"/>
           <c:min val="-2.0000000000000004E-2"/>
@@ -1802,7 +1802,7 @@
             <a:endParaRPr lang="en-US"/>
           </a:p>
         </c:txPr>
-        <c:crossAx val="189119872"/>
+        <c:crossAx val="178593152"/>
         <c:crosses val="autoZero"/>
         <c:crossBetween val="between"/>
       </c:valAx>
@@ -2000,11 +2000,11 @@
           <c:showBubbleSize val="0"/>
         </c:dLbls>
         <c:gapWidth val="150"/>
-        <c:axId val="189147008"/>
-        <c:axId val="189181952"/>
+        <c:axId val="178637824"/>
+        <c:axId val="177955968"/>
       </c:barChart>
       <c:catAx>
-        <c:axId val="189147008"/>
+        <c:axId val="178637824"/>
         <c:scaling>
           <c:orientation val="minMax"/>
         </c:scaling>
@@ -2052,7 +2052,7 @@
             <a:endParaRPr lang="en-US"/>
           </a:p>
         </c:txPr>
-        <c:crossAx val="189181952"/>
+        <c:crossAx val="177955968"/>
         <c:crosses val="autoZero"/>
         <c:auto val="1"/>
         <c:lblAlgn val="ctr"/>
@@ -2060,7 +2060,7 @@
         <c:noMultiLvlLbl val="0"/>
       </c:catAx>
       <c:valAx>
-        <c:axId val="189181952"/>
+        <c:axId val="177955968"/>
         <c:scaling>
           <c:orientation val="minMax"/>
         </c:scaling>
@@ -2109,7 +2109,7 @@
             <a:endParaRPr lang="en-US"/>
           </a:p>
         </c:txPr>
-        <c:crossAx val="189147008"/>
+        <c:crossAx val="178637824"/>
         <c:crosses val="autoZero"/>
         <c:crossBetween val="between"/>
       </c:valAx>
@@ -2596,11 +2596,11 @@
           <c:showBubbleSize val="0"/>
         </c:dLbls>
         <c:gapWidth val="58"/>
-        <c:axId val="189216640"/>
-        <c:axId val="189218176"/>
+        <c:axId val="178011136"/>
+        <c:axId val="178021120"/>
       </c:barChart>
       <c:catAx>
-        <c:axId val="189216640"/>
+        <c:axId val="178011136"/>
         <c:scaling>
           <c:orientation val="minMax"/>
         </c:scaling>
@@ -2619,7 +2619,7 @@
             <a:endParaRPr lang="en-US"/>
           </a:p>
         </c:txPr>
-        <c:crossAx val="189218176"/>
+        <c:crossAx val="178021120"/>
         <c:crosses val="autoZero"/>
         <c:auto val="1"/>
         <c:lblAlgn val="ctr"/>
@@ -2627,7 +2627,7 @@
         <c:noMultiLvlLbl val="0"/>
       </c:catAx>
       <c:valAx>
-        <c:axId val="189218176"/>
+        <c:axId val="178021120"/>
         <c:scaling>
           <c:orientation val="minMax"/>
           <c:min val="0.32200000000000012"/>
@@ -2658,7 +2658,7 @@
         <c:majorTickMark val="out"/>
         <c:minorTickMark val="none"/>
         <c:tickLblPos val="nextTo"/>
-        <c:crossAx val="189216640"/>
+        <c:crossAx val="178011136"/>
         <c:crosses val="autoZero"/>
         <c:crossBetween val="between"/>
         <c:majorUnit val="2.0000000000000009E-3"/>
@@ -2832,11 +2832,11 @@
         </c:dLbls>
         <c:gapWidth val="150"/>
         <c:overlap val="100"/>
-        <c:axId val="187403648"/>
-        <c:axId val="187430016"/>
+        <c:axId val="165971456"/>
+        <c:axId val="165972992"/>
       </c:barChart>
       <c:catAx>
-        <c:axId val="187403648"/>
+        <c:axId val="165971456"/>
         <c:scaling>
           <c:orientation val="minMax"/>
         </c:scaling>
@@ -2845,7 +2845,7 @@
         <c:majorTickMark val="out"/>
         <c:minorTickMark val="none"/>
         <c:tickLblPos val="nextTo"/>
-        <c:crossAx val="187430016"/>
+        <c:crossAx val="165972992"/>
         <c:crosses val="autoZero"/>
         <c:auto val="1"/>
         <c:lblAlgn val="ctr"/>
@@ -2853,7 +2853,7 @@
         <c:noMultiLvlLbl val="0"/>
       </c:catAx>
       <c:valAx>
-        <c:axId val="187430016"/>
+        <c:axId val="165972992"/>
         <c:scaling>
           <c:orientation val="minMax"/>
           <c:min val="0"/>
@@ -2865,7 +2865,7 @@
         <c:majorTickMark val="out"/>
         <c:minorTickMark val="none"/>
         <c:tickLblPos val="nextTo"/>
-        <c:crossAx val="187403648"/>
+        <c:crossAx val="165971456"/>
         <c:crosses val="autoZero"/>
         <c:crossBetween val="between"/>
       </c:valAx>
@@ -3059,11 +3059,11 @@
         </c:dLbls>
         <c:gapWidth val="150"/>
         <c:overlap val="100"/>
-        <c:axId val="188175872"/>
-        <c:axId val="188177408"/>
+        <c:axId val="165985664"/>
+        <c:axId val="165995648"/>
       </c:barChart>
       <c:catAx>
-        <c:axId val="188175872"/>
+        <c:axId val="165985664"/>
         <c:scaling>
           <c:orientation val="minMax"/>
         </c:scaling>
@@ -3083,7 +3083,7 @@
             <a:endParaRPr lang="en-US"/>
           </a:p>
         </c:txPr>
-        <c:crossAx val="188177408"/>
+        <c:crossAx val="165995648"/>
         <c:crosses val="autoZero"/>
         <c:auto val="1"/>
         <c:lblAlgn val="ctr"/>
@@ -3091,7 +3091,7 @@
         <c:noMultiLvlLbl val="0"/>
       </c:catAx>
       <c:valAx>
-        <c:axId val="188177408"/>
+        <c:axId val="165995648"/>
         <c:scaling>
           <c:orientation val="minMax"/>
           <c:min val="0"/>
@@ -3103,7 +3103,7 @@
         <c:majorTickMark val="out"/>
         <c:minorTickMark val="none"/>
         <c:tickLblPos val="nextTo"/>
-        <c:crossAx val="188175872"/>
+        <c:crossAx val="165985664"/>
         <c:crosses val="autoZero"/>
         <c:crossBetween val="between"/>
       </c:valAx>
@@ -3288,11 +3288,11 @@
           <c:showBubbleSize val="0"/>
         </c:dLbls>
         <c:gapWidth val="150"/>
-        <c:axId val="187855616"/>
-        <c:axId val="187857152"/>
+        <c:axId val="177615232"/>
+        <c:axId val="177616768"/>
       </c:barChart>
       <c:catAx>
-        <c:axId val="187855616"/>
+        <c:axId val="177615232"/>
         <c:scaling>
           <c:orientation val="minMax"/>
         </c:scaling>
@@ -3311,7 +3311,7 @@
             <a:endParaRPr lang="en-US"/>
           </a:p>
         </c:txPr>
-        <c:crossAx val="187857152"/>
+        <c:crossAx val="177616768"/>
         <c:crosses val="autoZero"/>
         <c:auto val="1"/>
         <c:lblAlgn val="ctr"/>
@@ -3319,7 +3319,7 @@
         <c:noMultiLvlLbl val="0"/>
       </c:catAx>
       <c:valAx>
-        <c:axId val="187857152"/>
+        <c:axId val="177616768"/>
         <c:scaling>
           <c:orientation val="minMax"/>
           <c:max val="1"/>
@@ -3369,7 +3369,7 @@
             <a:endParaRPr lang="en-US"/>
           </a:p>
         </c:txPr>
-        <c:crossAx val="187855616"/>
+        <c:crossAx val="177615232"/>
         <c:crosses val="autoZero"/>
         <c:crossBetween val="between"/>
       </c:valAx>
@@ -3551,8 +3551,8 @@
           <c:showBubbleSize val="0"/>
         </c:dLbls>
         <c:gapWidth val="150"/>
-        <c:axId val="188052224"/>
-        <c:axId val="188053760"/>
+        <c:axId val="177686016"/>
+        <c:axId val="177687552"/>
       </c:barChart>
       <c:barChart>
         <c:barDir val="col"/>
@@ -3698,11 +3698,11 @@
           <c:showBubbleSize val="0"/>
         </c:dLbls>
         <c:gapWidth val="150"/>
-        <c:axId val="188070144"/>
-        <c:axId val="188068224"/>
+        <c:axId val="177699840"/>
+        <c:axId val="177697920"/>
       </c:barChart>
       <c:catAx>
-        <c:axId val="188052224"/>
+        <c:axId val="177686016"/>
         <c:scaling>
           <c:orientation val="minMax"/>
         </c:scaling>
@@ -3711,7 +3711,7 @@
         <c:majorTickMark val="out"/>
         <c:minorTickMark val="none"/>
         <c:tickLblPos val="nextTo"/>
-        <c:crossAx val="188053760"/>
+        <c:crossAx val="177687552"/>
         <c:crosses val="autoZero"/>
         <c:auto val="1"/>
         <c:lblAlgn val="ctr"/>
@@ -3719,7 +3719,7 @@
         <c:noMultiLvlLbl val="0"/>
       </c:catAx>
       <c:valAx>
-        <c:axId val="188053760"/>
+        <c:axId val="177687552"/>
         <c:scaling>
           <c:orientation val="minMax"/>
           <c:max val="360"/>
@@ -3766,12 +3766,12 @@
             <a:endParaRPr lang="en-US"/>
           </a:p>
         </c:txPr>
-        <c:crossAx val="188052224"/>
+        <c:crossAx val="177686016"/>
         <c:crosses val="autoZero"/>
         <c:crossBetween val="between"/>
       </c:valAx>
       <c:valAx>
-        <c:axId val="188068224"/>
+        <c:axId val="177697920"/>
         <c:scaling>
           <c:orientation val="minMax"/>
           <c:max val="0.34000000000000008"/>
@@ -3817,12 +3817,12 @@
             <a:endParaRPr lang="en-US"/>
           </a:p>
         </c:txPr>
-        <c:crossAx val="188070144"/>
+        <c:crossAx val="177699840"/>
         <c:crosses val="max"/>
         <c:crossBetween val="between"/>
       </c:valAx>
       <c:catAx>
-        <c:axId val="188070144"/>
+        <c:axId val="177699840"/>
         <c:scaling>
           <c:orientation val="minMax"/>
         </c:scaling>
@@ -3831,7 +3831,7 @@
         <c:majorTickMark val="out"/>
         <c:minorTickMark val="none"/>
         <c:tickLblPos val="nextTo"/>
-        <c:crossAx val="188068224"/>
+        <c:crossAx val="177697920"/>
         <c:crosses val="autoZero"/>
         <c:auto val="1"/>
         <c:lblAlgn val="ctr"/>
@@ -4048,8 +4048,8 @@
           <c:showBubbleSize val="0"/>
         </c:dLbls>
         <c:gapWidth val="150"/>
-        <c:axId val="188142720"/>
-        <c:axId val="188144256"/>
+        <c:axId val="165014528"/>
+        <c:axId val="165483264"/>
       </c:barChart>
       <c:barChart>
         <c:barDir val="col"/>
@@ -4249,11 +4249,11 @@
           <c:showBubbleSize val="0"/>
         </c:dLbls>
         <c:gapWidth val="150"/>
-        <c:axId val="187968128"/>
-        <c:axId val="187966208"/>
+        <c:axId val="165491456"/>
+        <c:axId val="165485184"/>
       </c:barChart>
       <c:catAx>
-        <c:axId val="188142720"/>
+        <c:axId val="165014528"/>
         <c:scaling>
           <c:orientation val="minMax"/>
         </c:scaling>
@@ -4272,7 +4272,7 @@
             <a:endParaRPr lang="en-US"/>
           </a:p>
         </c:txPr>
-        <c:crossAx val="188144256"/>
+        <c:crossAx val="165483264"/>
         <c:crosses val="autoZero"/>
         <c:auto val="1"/>
         <c:lblAlgn val="ctr"/>
@@ -4280,7 +4280,7 @@
         <c:noMultiLvlLbl val="0"/>
       </c:catAx>
       <c:valAx>
-        <c:axId val="188144256"/>
+        <c:axId val="165483264"/>
         <c:scaling>
           <c:orientation val="minMax"/>
           <c:max val="1.1500000000000001"/>
@@ -4337,13 +4337,13 @@
             <a:endParaRPr lang="en-US"/>
           </a:p>
         </c:txPr>
-        <c:crossAx val="188142720"/>
+        <c:crossAx val="165014528"/>
         <c:crosses val="autoZero"/>
         <c:crossBetween val="between"/>
         <c:majorUnit val="5.000000000000001E-2"/>
       </c:valAx>
       <c:valAx>
-        <c:axId val="187966208"/>
+        <c:axId val="165485184"/>
         <c:scaling>
           <c:orientation val="minMax"/>
           <c:min val="74"/>
@@ -4384,12 +4384,12 @@
             <a:endParaRPr lang="en-US"/>
           </a:p>
         </c:txPr>
-        <c:crossAx val="187968128"/>
+        <c:crossAx val="165491456"/>
         <c:crosses val="max"/>
         <c:crossBetween val="between"/>
       </c:valAx>
       <c:catAx>
-        <c:axId val="187968128"/>
+        <c:axId val="165491456"/>
         <c:scaling>
           <c:orientation val="minMax"/>
         </c:scaling>
@@ -4398,7 +4398,7 @@
         <c:majorTickMark val="out"/>
         <c:minorTickMark val="none"/>
         <c:tickLblPos val="nextTo"/>
-        <c:crossAx val="187966208"/>
+        <c:crossAx val="165485184"/>
         <c:crosses val="autoZero"/>
         <c:auto val="1"/>
         <c:lblAlgn val="ctr"/>
@@ -5169,11 +5169,11 @@
         </c:dLbls>
         <c:marker val="1"/>
         <c:smooth val="0"/>
-        <c:axId val="188258176"/>
-        <c:axId val="188264448"/>
+        <c:axId val="165117952"/>
+        <c:axId val="165119872"/>
       </c:lineChart>
       <c:catAx>
-        <c:axId val="188258176"/>
+        <c:axId val="165117952"/>
         <c:scaling>
           <c:orientation val="minMax"/>
         </c:scaling>
@@ -5210,7 +5210,7 @@
         <c:majorTickMark val="out"/>
         <c:minorTickMark val="none"/>
         <c:tickLblPos val="nextTo"/>
-        <c:crossAx val="188264448"/>
+        <c:crossAx val="165119872"/>
         <c:crosses val="autoZero"/>
         <c:auto val="1"/>
         <c:lblAlgn val="ctr"/>
@@ -5220,7 +5220,7 @@
         <c:noMultiLvlLbl val="0"/>
       </c:catAx>
       <c:valAx>
-        <c:axId val="188264448"/>
+        <c:axId val="165119872"/>
         <c:scaling>
           <c:orientation val="minMax"/>
           <c:min val="60"/>
@@ -5252,7 +5252,7 @@
         <c:majorTickMark val="out"/>
         <c:minorTickMark val="none"/>
         <c:tickLblPos val="nextTo"/>
-        <c:crossAx val="188258176"/>
+        <c:crossAx val="165117952"/>
         <c:crosses val="autoZero"/>
         <c:crossBetween val="midCat"/>
       </c:valAx>
@@ -5539,11 +5539,11 @@
         </c:dLbls>
         <c:marker val="1"/>
         <c:smooth val="0"/>
-        <c:axId val="188626432"/>
-        <c:axId val="188627968"/>
+        <c:axId val="165039488"/>
+        <c:axId val="165041280"/>
       </c:lineChart>
       <c:catAx>
-        <c:axId val="188626432"/>
+        <c:axId val="165039488"/>
         <c:scaling>
           <c:orientation val="minMax"/>
         </c:scaling>
@@ -5565,7 +5565,7 @@
             <a:endParaRPr lang="en-US"/>
           </a:p>
         </c:txPr>
-        <c:crossAx val="188627968"/>
+        <c:crossAx val="165041280"/>
         <c:crosses val="autoZero"/>
         <c:auto val="1"/>
         <c:lblAlgn val="ctr"/>
@@ -5573,7 +5573,7 @@
         <c:noMultiLvlLbl val="0"/>
       </c:catAx>
       <c:valAx>
-        <c:axId val="188627968"/>
+        <c:axId val="165041280"/>
         <c:scaling>
           <c:orientation val="minMax"/>
           <c:max val="20"/>
@@ -5620,7 +5620,7 @@
             <a:endParaRPr lang="en-US"/>
           </a:p>
         </c:txPr>
-        <c:crossAx val="188626432"/>
+        <c:crossAx val="165039488"/>
         <c:crosses val="autoZero"/>
         <c:crossBetween val="between"/>
       </c:valAx>
@@ -6134,11 +6134,11 @@
           <c:showBubbleSize val="0"/>
         </c:dLbls>
         <c:gapWidth val="50"/>
-        <c:axId val="188692352"/>
-        <c:axId val="188693888"/>
+        <c:axId val="165184640"/>
+        <c:axId val="165186176"/>
       </c:barChart>
       <c:catAx>
-        <c:axId val="188692352"/>
+        <c:axId val="165184640"/>
         <c:scaling>
           <c:orientation val="minMax"/>
         </c:scaling>
@@ -6157,7 +6157,7 @@
             <a:endParaRPr lang="en-US"/>
           </a:p>
         </c:txPr>
-        <c:crossAx val="188693888"/>
+        <c:crossAx val="165186176"/>
         <c:crosses val="autoZero"/>
         <c:auto val="1"/>
         <c:lblAlgn val="ctr"/>
@@ -6165,7 +6165,7 @@
         <c:noMultiLvlLbl val="0"/>
       </c:catAx>
       <c:valAx>
-        <c:axId val="188693888"/>
+        <c:axId val="165186176"/>
         <c:scaling>
           <c:orientation val="minMax"/>
         </c:scaling>
@@ -6195,7 +6195,7 @@
         <c:majorTickMark val="out"/>
         <c:minorTickMark val="none"/>
         <c:tickLblPos val="nextTo"/>
-        <c:crossAx val="188692352"/>
+        <c:crossAx val="165184640"/>
         <c:crosses val="autoZero"/>
         <c:crossBetween val="between"/>
       </c:valAx>
@@ -7900,7 +7900,7 @@
           <a:p>
             <a:fld id="{193C0D47-2225-4D24-AA75-D9B7C8AFF227}" type="datetimeFigureOut">
               <a:rPr lang="en-US" smtClean="0"/>
-              <a:t>9/3/2014</a:t>
+              <a:t>9/4/2014</a:t>
             </a:fld>
             <a:endParaRPr lang="en-US"/>
           </a:p>
@@ -8066,7 +8066,7 @@
           <a:p>
             <a:fld id="{1F58A4DD-8282-4F46-9AB5-3F09F8B0021F}" type="datetimeFigureOut">
               <a:rPr lang="en-US" smtClean="0"/>
-              <a:t>9/3/2014</a:t>
+              <a:t>9/4/2014</a:t>
             </a:fld>
             <a:endParaRPr lang="en-US"/>
           </a:p>
@@ -8651,11 +8651,7 @@
             </a:r>
             <a:r>
               <a:rPr lang="en-US" dirty="0" smtClean="0"/>
-              <a:t>3 </a:t>
-            </a:r>
-            <a:r>
-              <a:rPr lang="en-US" dirty="0" smtClean="0"/>
-              <a:t>Cycles</a:t>
+              <a:t>3 Cycles</a:t>
             </a:r>
             <a:r>
               <a:rPr lang="en-US" baseline="0" dirty="0" smtClean="0"/>
@@ -9384,11 +9380,7 @@
           <a:p>
             <a:r>
               <a:rPr lang="en-US" dirty="0" smtClean="0"/>
-              <a:t>MIPS </a:t>
-            </a:r>
-            <a:r>
-              <a:rPr lang="en-US" dirty="0" smtClean="0"/>
-              <a:t>on the same ISA,</a:t>
+              <a:t>MIPS on the same ISA,</a:t>
             </a:r>
             <a:r>
               <a:rPr lang="en-US" baseline="0" dirty="0" smtClean="0"/>
@@ -9549,11 +9541,7 @@
           <a:p>
             <a:r>
               <a:rPr lang="en-US" dirty="0" smtClean="0"/>
-              <a:t>When </a:t>
-            </a:r>
-            <a:r>
-              <a:rPr lang="en-US" dirty="0" smtClean="0"/>
-              <a:t>the</a:t>
+              <a:t>When the</a:t>
             </a:r>
             <a:r>
               <a:rPr lang="en-US" baseline="0" dirty="0" smtClean="0"/>
@@ -10961,11 +10949,7 @@
             </a:r>
             <a:r>
               <a:rPr lang="en-US" baseline="0" dirty="0" smtClean="0"/>
-              <a:t> </a:t>
-            </a:r>
-            <a:r>
-              <a:rPr lang="en-US" baseline="0" dirty="0" smtClean="0"/>
-              <a:t>captures </a:t>
+              <a:t> captures </a:t>
             </a:r>
             <a:r>
               <a:rPr lang="en-US" dirty="0" smtClean="0"/>
@@ -10973,11 +10957,7 @@
             </a:r>
             <a:r>
               <a:rPr lang="en-US" baseline="0" dirty="0" smtClean="0"/>
-              <a:t> </a:t>
-            </a:r>
-            <a:r>
-              <a:rPr lang="en-US" baseline="0" dirty="0" smtClean="0"/>
-              <a:t>bias: no correlation between branches</a:t>
+              <a:t> bias: no correlation between branches</a:t>
             </a:r>
           </a:p>
           <a:p>
@@ -10987,11 +10967,7 @@
             </a:r>
             <a:r>
               <a:rPr lang="en-US" baseline="0" dirty="0" smtClean="0"/>
-              <a:t> </a:t>
-            </a:r>
-            <a:r>
-              <a:rPr lang="en-US" baseline="0" dirty="0" smtClean="0"/>
-              <a:t>and </a:t>
+              <a:t> and </a:t>
             </a:r>
             <a:r>
               <a:rPr lang="en-US" baseline="0" dirty="0" err="1" smtClean="0"/>
@@ -10999,19 +10975,7 @@
             </a:r>
             <a:r>
               <a:rPr lang="en-US" baseline="0" dirty="0" smtClean="0"/>
-              <a:t> </a:t>
-            </a:r>
-            <a:r>
-              <a:rPr lang="en-US" baseline="0" dirty="0" smtClean="0"/>
-              <a:t>uses GHR, which stores preceding branch results, to finds </a:t>
-            </a:r>
-            <a:r>
-              <a:rPr lang="en-US" baseline="0" dirty="0" smtClean="0"/>
-              <a:t>correlations between branch outcomes and global branch history </a:t>
-            </a:r>
-            <a:r>
-              <a:rPr lang="en-US" baseline="0" dirty="0" smtClean="0"/>
-              <a:t>patterns</a:t>
+              <a:t> uses GHR, which stores preceding branch results, to finds correlations between branch outcomes and global branch history patterns</a:t>
             </a:r>
           </a:p>
           <a:p>
@@ -11250,19 +11214,11 @@
             </a:r>
             <a:r>
               <a:rPr lang="en-US" dirty="0" smtClean="0"/>
-              <a:t>ow </a:t>
-            </a:r>
-            <a:r>
-              <a:rPr lang="en-US" dirty="0" smtClean="0"/>
-              <a:t>far</a:t>
+              <a:t>ow far</a:t>
             </a:r>
             <a:r>
               <a:rPr lang="en-US" baseline="0" dirty="0" smtClean="0"/>
-              <a:t> back should we look for </a:t>
-            </a:r>
-            <a:r>
-              <a:rPr lang="en-US" baseline="0" dirty="0" smtClean="0"/>
-              <a:t>correlations</a:t>
+              <a:t> back should we look for correlations</a:t>
             </a:r>
           </a:p>
           <a:p>
@@ -11583,7 +11539,7 @@
           <a:p>
             <a:fld id="{F65230FE-7BC7-4052-8407-2780FEB38175}" type="datetime1">
               <a:rPr lang="en-US" smtClean="0"/>
-              <a:t>9/3/2014</a:t>
+              <a:t>9/4/2014</a:t>
             </a:fld>
             <a:endParaRPr lang="en-US" dirty="0"/>
           </a:p>
@@ -11769,7 +11725,7 @@
           <a:p>
             <a:fld id="{683BA984-A100-4BA6-9409-1901E229EE15}" type="datetime1">
               <a:rPr lang="en-US" smtClean="0"/>
-              <a:t>9/3/2014</a:t>
+              <a:t>9/4/2014</a:t>
             </a:fld>
             <a:endParaRPr lang="en-US"/>
           </a:p>
@@ -11956,7 +11912,7 @@
           <a:p>
             <a:fld id="{F080BEC5-EEAC-46E6-A2C4-457F5421477D}" type="datetime1">
               <a:rPr lang="en-US" smtClean="0"/>
-              <a:t>9/3/2014</a:t>
+              <a:t>9/4/2014</a:t>
             </a:fld>
             <a:endParaRPr lang="en-US"/>
           </a:p>
@@ -12154,7 +12110,7 @@
           <a:p>
             <a:fld id="{5A8A0806-4781-41C6-94C8-64F6476CE849}" type="datetime1">
               <a:rPr lang="en-US" smtClean="0"/>
-              <a:t>9/3/2014</a:t>
+              <a:t>9/4/2014</a:t>
             </a:fld>
             <a:endParaRPr lang="en-US" dirty="0"/>
           </a:p>
@@ -12407,7 +12363,7 @@
           <a:p>
             <a:fld id="{FDC9BFCA-51BA-40E8-B0FF-AA5D7031B1B6}" type="datetime1">
               <a:rPr lang="en-US" smtClean="0"/>
-              <a:t>9/3/2014</a:t>
+              <a:t>9/4/2014</a:t>
             </a:fld>
             <a:endParaRPr lang="en-US"/>
           </a:p>
@@ -12718,7 +12674,7 @@
           <a:p>
             <a:fld id="{BD56A612-9A5F-4584-8C7E-1723F50BB37E}" type="datetime1">
               <a:rPr lang="en-US" smtClean="0"/>
-              <a:t>9/3/2014</a:t>
+              <a:t>9/4/2014</a:t>
             </a:fld>
             <a:endParaRPr lang="en-US"/>
           </a:p>
@@ -13159,7 +13115,7 @@
           <a:p>
             <a:fld id="{C8565822-3DBE-4EE9-B7C1-26253DEDC190}" type="datetime1">
               <a:rPr lang="en-US" smtClean="0"/>
-              <a:t>9/3/2014</a:t>
+              <a:t>9/4/2014</a:t>
             </a:fld>
             <a:endParaRPr lang="en-US"/>
           </a:p>
@@ -13300,7 +13256,7 @@
           <a:p>
             <a:fld id="{F7504457-DF5A-4C8A-9C71-44BE4950CA4A}" type="datetime1">
               <a:rPr lang="en-US" smtClean="0"/>
-              <a:t>9/3/2014</a:t>
+              <a:t>9/4/2014</a:t>
             </a:fld>
             <a:endParaRPr lang="en-US"/>
           </a:p>
@@ -13402,7 +13358,7 @@
           <a:p>
             <a:fld id="{F3A32CD6-3275-4AA9-997D-62071C1C106A}" type="datetime1">
               <a:rPr lang="en-US" smtClean="0"/>
-              <a:t>9/3/2014</a:t>
+              <a:t>9/4/2014</a:t>
             </a:fld>
             <a:endParaRPr lang="en-US"/>
           </a:p>
@@ -13686,7 +13642,7 @@
           <a:p>
             <a:fld id="{EAAE3772-EA69-4CBA-B44A-BD763740D1C7}" type="datetime1">
               <a:rPr lang="en-US" smtClean="0"/>
-              <a:t>9/3/2014</a:t>
+              <a:t>9/4/2014</a:t>
             </a:fld>
             <a:endParaRPr lang="en-US"/>
           </a:p>
@@ -13946,7 +13902,7 @@
           <a:p>
             <a:fld id="{B14F1248-72E8-4743-B1F9-F0B12CE94A2F}" type="datetime1">
               <a:rPr lang="en-US" smtClean="0"/>
-              <a:t>9/3/2014</a:t>
+              <a:t>9/4/2014</a:t>
             </a:fld>
             <a:endParaRPr lang="en-US"/>
           </a:p>
@@ -14169,7 +14125,7 @@
           <a:p>
             <a:fld id="{E905AD09-3214-495C-88DE-49DF2E1AF1A5}" type="datetime1">
               <a:rPr lang="en-US" smtClean="0"/>
-              <a:t>9/3/2014</a:t>
+              <a:t>9/4/2014</a:t>
             </a:fld>
             <a:endParaRPr lang="en-US"/>
           </a:p>
@@ -14746,25 +14702,15 @@
           <a:p>
             <a:r>
               <a:rPr lang="en-US" b="1" dirty="0" smtClean="0"/>
-              <a:t>Target Address </a:t>
-            </a:r>
-            <a:r>
-              <a:rPr lang="en-US" b="1" dirty="0" smtClean="0"/>
-              <a:t>Pre-calculation</a:t>
-            </a:r>
-            <a:endParaRPr lang="en-US" b="1" dirty="0" smtClean="0"/>
+              <a:t>Target Address Pre-calculation</a:t>
+            </a:r>
           </a:p>
           <a:p>
             <a:pPr lvl="1"/>
             <a:r>
               <a:rPr lang="en-US" dirty="0" smtClean="0"/>
-              <a:t>Calculate address after </a:t>
-            </a:r>
-            <a:r>
-              <a:rPr lang="en-US" dirty="0" smtClean="0"/>
-              <a:t>fetching, FPGA-specific</a:t>
-            </a:r>
-            <a:endParaRPr lang="en-US" dirty="0" smtClean="0"/>
+              <a:t>Calculate address after fetching, FPGA-specific</a:t>
+            </a:r>
           </a:p>
           <a:p>
             <a:pPr lvl="1"/>
@@ -14861,11 +14807,7 @@
             </a:r>
             <a:r>
               <a:rPr lang="en-US" dirty="0" smtClean="0"/>
-              <a:t> </a:t>
-            </a:r>
-            <a:r>
-              <a:rPr lang="en-US" dirty="0" smtClean="0"/>
-              <a:t>II</a:t>
+              <a:t> II</a:t>
             </a:r>
             <a:endParaRPr lang="en-US" dirty="0"/>
           </a:p>
@@ -19740,6 +19682,59 @@
                       </p:childTnLst>
                     </p:cTn>
                   </p:par>
+                  <p:par>
+                    <p:cTn id="24" fill="hold">
+                      <p:stCondLst>
+                        <p:cond delay="indefinite"/>
+                      </p:stCondLst>
+                      <p:childTnLst>
+                        <p:par>
+                          <p:cTn id="25" fill="hold">
+                            <p:stCondLst>
+                              <p:cond delay="0"/>
+                            </p:stCondLst>
+                            <p:childTnLst>
+                              <p:par>
+                                <p:cTn id="26" presetID="10" presetClass="entr" presetSubtype="0" fill="hold" grpId="0" nodeType="clickEffect">
+                                  <p:stCondLst>
+                                    <p:cond delay="0"/>
+                                  </p:stCondLst>
+                                  <p:childTnLst>
+                                    <p:set>
+                                      <p:cBhvr>
+                                        <p:cTn id="27" dur="1" fill="hold">
+                                          <p:stCondLst>
+                                            <p:cond delay="0"/>
+                                          </p:stCondLst>
+                                        </p:cTn>
+                                        <p:tgtEl>
+                                          <p:spTgt spid="18"/>
+                                        </p:tgtEl>
+                                        <p:attrNameLst>
+                                          <p:attrName>style.visibility</p:attrName>
+                                        </p:attrNameLst>
+                                      </p:cBhvr>
+                                      <p:to>
+                                        <p:strVal val="visible"/>
+                                      </p:to>
+                                    </p:set>
+                                    <p:animEffect transition="in" filter="fade">
+                                      <p:cBhvr>
+                                        <p:cTn id="28" dur="500"/>
+                                        <p:tgtEl>
+                                          <p:spTgt spid="18"/>
+                                        </p:tgtEl>
+                                      </p:cBhvr>
+                                    </p:animEffect>
+                                  </p:childTnLst>
+                                </p:cTn>
+                              </p:par>
+                            </p:childTnLst>
+                          </p:cTn>
+                        </p:par>
+                      </p:childTnLst>
+                    </p:cTn>
+                  </p:par>
                 </p:childTnLst>
               </p:cTn>
               <p:prevCondLst>
@@ -19768,6 +19763,7 @@
       <p:bldP spid="11" grpId="0"/>
       <p:bldP spid="12" grpId="0"/>
       <p:bldP spid="15" grpId="0"/>
+      <p:bldP spid="18" grpId="0"/>
     </p:bldLst>
   </p:timing>
 </p:sld>
@@ -28413,11 +28409,7 @@
           <a:p>
             <a:r>
               <a:rPr lang="en-US" dirty="0" smtClean="0"/>
-              <a:t>IPC and </a:t>
-            </a:r>
-            <a:r>
-              <a:rPr lang="en-US" dirty="0" smtClean="0"/>
-              <a:t>IPS</a:t>
+              <a:t>IPC and IPS</a:t>
             </a:r>
             <a:endParaRPr lang="en-US" dirty="0"/>
           </a:p>
@@ -32318,13 +32310,8 @@
             <a:pPr lvl="1"/>
             <a:r>
               <a:rPr lang="en-US" sz="2400" dirty="0" smtClean="0"/>
-              <a:t>Saturating counters: </a:t>
-            </a:r>
-            <a:r>
-              <a:rPr lang="en-US" sz="2400" dirty="0" smtClean="0"/>
-              <a:t>10-bit wide</a:t>
-            </a:r>
-            <a:endParaRPr lang="en-US" sz="2400" dirty="0" smtClean="0"/>
+              <a:t>Saturating counters: 10-bit wide</a:t>
+            </a:r>
           </a:p>
           <a:p>
             <a:pPr lvl="2"/>
@@ -32401,11 +32388,7 @@
             </a:r>
             <a:r>
               <a:rPr lang="en-US" smtClean="0"/>
-              <a:t>. </a:t>
-            </a:r>
-            <a:r>
-              <a:rPr lang="en-US" smtClean="0"/>
-              <a:t>Predictor Size</a:t>
+              <a:t>. Predictor Size</a:t>
             </a:r>
             <a:endParaRPr lang="en-US" dirty="0"/>
           </a:p>
@@ -44344,11 +44327,7 @@
           <a:p>
             <a:r>
               <a:rPr lang="en-US" sz="1600" b="1" dirty="0" smtClean="0"/>
-              <a:t>1KB </a:t>
-            </a:r>
-            <a:r>
-              <a:rPr lang="en-US" sz="1600" b="1" dirty="0" smtClean="0"/>
-              <a:t>Perceptron</a:t>
+              <a:t>1KB Perceptron</a:t>
             </a:r>
             <a:endParaRPr lang="en-US" sz="1600" b="1" dirty="0"/>
           </a:p>

--- a/presentation/defense.pptx
+++ b/presentation/defense.pptx
@@ -378,11 +378,11 @@
           <c:showPercent val="0"/>
           <c:showBubbleSize val="0"/>
         </c:dLbls>
-        <c:axId val="164283904"/>
-        <c:axId val="164285824"/>
+        <c:axId val="187414016"/>
+        <c:axId val="187415936"/>
       </c:scatterChart>
       <c:valAx>
-        <c:axId val="164283904"/>
+        <c:axId val="187414016"/>
         <c:scaling>
           <c:orientation val="minMax"/>
           <c:min val="150"/>
@@ -417,12 +417,12 @@
         <c:majorTickMark val="out"/>
         <c:minorTickMark val="none"/>
         <c:tickLblPos val="nextTo"/>
-        <c:crossAx val="164285824"/>
+        <c:crossAx val="187415936"/>
         <c:crosses val="autoZero"/>
         <c:crossBetween val="midCat"/>
       </c:valAx>
       <c:valAx>
-        <c:axId val="164285824"/>
+        <c:axId val="187415936"/>
         <c:scaling>
           <c:orientation val="maxMin"/>
         </c:scaling>
@@ -453,7 +453,7 @@
         <c:majorTickMark val="out"/>
         <c:minorTickMark val="none"/>
         <c:tickLblPos val="nextTo"/>
-        <c:crossAx val="164283904"/>
+        <c:crossAx val="187414016"/>
         <c:crosses val="autoZero"/>
         <c:crossBetween val="midCat"/>
       </c:valAx>
@@ -944,11 +944,11 @@
           <c:showBubbleSize val="0"/>
         </c:dLbls>
         <c:gapWidth val="50"/>
-        <c:axId val="178170496"/>
-        <c:axId val="178184576"/>
+        <c:axId val="190574592"/>
+        <c:axId val="190576128"/>
       </c:barChart>
       <c:catAx>
-        <c:axId val="178170496"/>
+        <c:axId val="190574592"/>
         <c:scaling>
           <c:orientation val="minMax"/>
         </c:scaling>
@@ -967,7 +967,7 @@
             <a:endParaRPr lang="en-US"/>
           </a:p>
         </c:txPr>
-        <c:crossAx val="178184576"/>
+        <c:crossAx val="190576128"/>
         <c:crosses val="autoZero"/>
         <c:auto val="1"/>
         <c:lblAlgn val="ctr"/>
@@ -975,7 +975,7 @@
         <c:noMultiLvlLbl val="0"/>
       </c:catAx>
       <c:valAx>
-        <c:axId val="178184576"/>
+        <c:axId val="190576128"/>
         <c:scaling>
           <c:orientation val="minMax"/>
           <c:max val="280"/>
@@ -1007,7 +1007,7 @@
         <c:majorTickMark val="out"/>
         <c:minorTickMark val="none"/>
         <c:tickLblPos val="nextTo"/>
-        <c:crossAx val="178170496"/>
+        <c:crossAx val="190574592"/>
         <c:crosses val="autoZero"/>
         <c:crossBetween val="between"/>
       </c:valAx>
@@ -1471,11 +1471,11 @@
           <c:showBubbleSize val="0"/>
         </c:dLbls>
         <c:gapWidth val="48"/>
-        <c:axId val="178561024"/>
-        <c:axId val="178562560"/>
+        <c:axId val="190043264"/>
+        <c:axId val="190044800"/>
       </c:barChart>
       <c:catAx>
-        <c:axId val="178561024"/>
+        <c:axId val="190043264"/>
         <c:scaling>
           <c:orientation val="minMax"/>
         </c:scaling>
@@ -1484,7 +1484,7 @@
         <c:majorTickMark val="out"/>
         <c:minorTickMark val="none"/>
         <c:tickLblPos val="nextTo"/>
-        <c:crossAx val="178562560"/>
+        <c:crossAx val="190044800"/>
         <c:crosses val="autoZero"/>
         <c:auto val="1"/>
         <c:lblAlgn val="ctr"/>
@@ -1492,7 +1492,7 @@
         <c:noMultiLvlLbl val="0"/>
       </c:catAx>
       <c:valAx>
-        <c:axId val="178562560"/>
+        <c:axId val="190044800"/>
         <c:scaling>
           <c:orientation val="minMax"/>
           <c:max val="90"/>
@@ -1524,7 +1524,7 @@
         <c:majorTickMark val="out"/>
         <c:minorTickMark val="none"/>
         <c:tickLblPos val="nextTo"/>
-        <c:crossAx val="178561024"/>
+        <c:crossAx val="190043264"/>
         <c:crosses val="autoZero"/>
         <c:crossBetween val="between"/>
       </c:valAx>
@@ -1748,11 +1748,11 @@
         </c:dLbls>
         <c:gapWidth val="150"/>
         <c:overlap val="100"/>
-        <c:axId val="178593152"/>
-        <c:axId val="178615424"/>
+        <c:axId val="190095744"/>
+        <c:axId val="190097280"/>
       </c:barChart>
       <c:catAx>
-        <c:axId val="178593152"/>
+        <c:axId val="190095744"/>
         <c:scaling>
           <c:orientation val="minMax"/>
         </c:scaling>
@@ -1771,7 +1771,7 @@
             <a:endParaRPr lang="en-US"/>
           </a:p>
         </c:txPr>
-        <c:crossAx val="178615424"/>
+        <c:crossAx val="190097280"/>
         <c:crosses val="autoZero"/>
         <c:auto val="0"/>
         <c:lblAlgn val="ctr"/>
@@ -1780,7 +1780,7 @@
         <c:noMultiLvlLbl val="0"/>
       </c:catAx>
       <c:valAx>
-        <c:axId val="178615424"/>
+        <c:axId val="190097280"/>
         <c:scaling>
           <c:orientation val="minMax"/>
           <c:min val="-2.0000000000000004E-2"/>
@@ -1802,7 +1802,7 @@
             <a:endParaRPr lang="en-US"/>
           </a:p>
         </c:txPr>
-        <c:crossAx val="178593152"/>
+        <c:crossAx val="190095744"/>
         <c:crosses val="autoZero"/>
         <c:crossBetween val="between"/>
       </c:valAx>
@@ -2000,11 +2000,11 @@
           <c:showBubbleSize val="0"/>
         </c:dLbls>
         <c:gapWidth val="150"/>
-        <c:axId val="178637824"/>
-        <c:axId val="177955968"/>
+        <c:axId val="188838656"/>
+        <c:axId val="188840576"/>
       </c:barChart>
       <c:catAx>
-        <c:axId val="178637824"/>
+        <c:axId val="188838656"/>
         <c:scaling>
           <c:orientation val="minMax"/>
         </c:scaling>
@@ -2052,7 +2052,7 @@
             <a:endParaRPr lang="en-US"/>
           </a:p>
         </c:txPr>
-        <c:crossAx val="177955968"/>
+        <c:crossAx val="188840576"/>
         <c:crosses val="autoZero"/>
         <c:auto val="1"/>
         <c:lblAlgn val="ctr"/>
@@ -2060,7 +2060,7 @@
         <c:noMultiLvlLbl val="0"/>
       </c:catAx>
       <c:valAx>
-        <c:axId val="177955968"/>
+        <c:axId val="188840576"/>
         <c:scaling>
           <c:orientation val="minMax"/>
         </c:scaling>
@@ -2109,7 +2109,7 @@
             <a:endParaRPr lang="en-US"/>
           </a:p>
         </c:txPr>
-        <c:crossAx val="178637824"/>
+        <c:crossAx val="188838656"/>
         <c:crosses val="autoZero"/>
         <c:crossBetween val="between"/>
       </c:valAx>
@@ -2596,11 +2596,11 @@
           <c:showBubbleSize val="0"/>
         </c:dLbls>
         <c:gapWidth val="58"/>
-        <c:axId val="178011136"/>
-        <c:axId val="178021120"/>
+        <c:axId val="188911616"/>
+        <c:axId val="188913152"/>
       </c:barChart>
       <c:catAx>
-        <c:axId val="178011136"/>
+        <c:axId val="188911616"/>
         <c:scaling>
           <c:orientation val="minMax"/>
         </c:scaling>
@@ -2619,7 +2619,7 @@
             <a:endParaRPr lang="en-US"/>
           </a:p>
         </c:txPr>
-        <c:crossAx val="178021120"/>
+        <c:crossAx val="188913152"/>
         <c:crosses val="autoZero"/>
         <c:auto val="1"/>
         <c:lblAlgn val="ctr"/>
@@ -2627,7 +2627,7 @@
         <c:noMultiLvlLbl val="0"/>
       </c:catAx>
       <c:valAx>
-        <c:axId val="178021120"/>
+        <c:axId val="188913152"/>
         <c:scaling>
           <c:orientation val="minMax"/>
           <c:min val="0.32200000000000012"/>
@@ -2658,7 +2658,7 @@
         <c:majorTickMark val="out"/>
         <c:minorTickMark val="none"/>
         <c:tickLblPos val="nextTo"/>
-        <c:crossAx val="178011136"/>
+        <c:crossAx val="188911616"/>
         <c:crosses val="autoZero"/>
         <c:crossBetween val="between"/>
         <c:majorUnit val="2.0000000000000009E-3"/>
@@ -2832,11 +2832,11 @@
         </c:dLbls>
         <c:gapWidth val="150"/>
         <c:overlap val="100"/>
-        <c:axId val="165971456"/>
-        <c:axId val="165972992"/>
+        <c:axId val="189363712"/>
+        <c:axId val="189365248"/>
       </c:barChart>
       <c:catAx>
-        <c:axId val="165971456"/>
+        <c:axId val="189363712"/>
         <c:scaling>
           <c:orientation val="minMax"/>
         </c:scaling>
@@ -2845,7 +2845,7 @@
         <c:majorTickMark val="out"/>
         <c:minorTickMark val="none"/>
         <c:tickLblPos val="nextTo"/>
-        <c:crossAx val="165972992"/>
+        <c:crossAx val="189365248"/>
         <c:crosses val="autoZero"/>
         <c:auto val="1"/>
         <c:lblAlgn val="ctr"/>
@@ -2853,7 +2853,7 @@
         <c:noMultiLvlLbl val="0"/>
       </c:catAx>
       <c:valAx>
-        <c:axId val="165972992"/>
+        <c:axId val="189365248"/>
         <c:scaling>
           <c:orientation val="minMax"/>
           <c:min val="0"/>
@@ -2865,7 +2865,7 @@
         <c:majorTickMark val="out"/>
         <c:minorTickMark val="none"/>
         <c:tickLblPos val="nextTo"/>
-        <c:crossAx val="165971456"/>
+        <c:crossAx val="189363712"/>
         <c:crosses val="autoZero"/>
         <c:crossBetween val="between"/>
       </c:valAx>
@@ -3059,11 +3059,11 @@
         </c:dLbls>
         <c:gapWidth val="150"/>
         <c:overlap val="100"/>
-        <c:axId val="165985664"/>
-        <c:axId val="165995648"/>
+        <c:axId val="189377920"/>
+        <c:axId val="189387904"/>
       </c:barChart>
       <c:catAx>
-        <c:axId val="165985664"/>
+        <c:axId val="189377920"/>
         <c:scaling>
           <c:orientation val="minMax"/>
         </c:scaling>
@@ -3083,7 +3083,7 @@
             <a:endParaRPr lang="en-US"/>
           </a:p>
         </c:txPr>
-        <c:crossAx val="165995648"/>
+        <c:crossAx val="189387904"/>
         <c:crosses val="autoZero"/>
         <c:auto val="1"/>
         <c:lblAlgn val="ctr"/>
@@ -3091,7 +3091,7 @@
         <c:noMultiLvlLbl val="0"/>
       </c:catAx>
       <c:valAx>
-        <c:axId val="165995648"/>
+        <c:axId val="189387904"/>
         <c:scaling>
           <c:orientation val="minMax"/>
           <c:min val="0"/>
@@ -3103,7 +3103,7 @@
         <c:majorTickMark val="out"/>
         <c:minorTickMark val="none"/>
         <c:tickLblPos val="nextTo"/>
-        <c:crossAx val="165985664"/>
+        <c:crossAx val="189377920"/>
         <c:crosses val="autoZero"/>
         <c:crossBetween val="between"/>
       </c:valAx>
@@ -3288,11 +3288,11 @@
           <c:showBubbleSize val="0"/>
         </c:dLbls>
         <c:gapWidth val="150"/>
-        <c:axId val="177615232"/>
-        <c:axId val="177616768"/>
+        <c:axId val="189477248"/>
+        <c:axId val="189478784"/>
       </c:barChart>
       <c:catAx>
-        <c:axId val="177615232"/>
+        <c:axId val="189477248"/>
         <c:scaling>
           <c:orientation val="minMax"/>
         </c:scaling>
@@ -3311,7 +3311,7 @@
             <a:endParaRPr lang="en-US"/>
           </a:p>
         </c:txPr>
-        <c:crossAx val="177616768"/>
+        <c:crossAx val="189478784"/>
         <c:crosses val="autoZero"/>
         <c:auto val="1"/>
         <c:lblAlgn val="ctr"/>
@@ -3319,7 +3319,7 @@
         <c:noMultiLvlLbl val="0"/>
       </c:catAx>
       <c:valAx>
-        <c:axId val="177616768"/>
+        <c:axId val="189478784"/>
         <c:scaling>
           <c:orientation val="minMax"/>
           <c:max val="1"/>
@@ -3369,7 +3369,7 @@
             <a:endParaRPr lang="en-US"/>
           </a:p>
         </c:txPr>
-        <c:crossAx val="177615232"/>
+        <c:crossAx val="189477248"/>
         <c:crosses val="autoZero"/>
         <c:crossBetween val="between"/>
       </c:valAx>
@@ -3551,8 +3551,8 @@
           <c:showBubbleSize val="0"/>
         </c:dLbls>
         <c:gapWidth val="150"/>
-        <c:axId val="177686016"/>
-        <c:axId val="177687552"/>
+        <c:axId val="189548032"/>
+        <c:axId val="189549568"/>
       </c:barChart>
       <c:barChart>
         <c:barDir val="col"/>
@@ -3698,11 +3698,11 @@
           <c:showBubbleSize val="0"/>
         </c:dLbls>
         <c:gapWidth val="150"/>
-        <c:axId val="177699840"/>
-        <c:axId val="177697920"/>
+        <c:axId val="189561856"/>
+        <c:axId val="189559936"/>
       </c:barChart>
       <c:catAx>
-        <c:axId val="177686016"/>
+        <c:axId val="189548032"/>
         <c:scaling>
           <c:orientation val="minMax"/>
         </c:scaling>
@@ -3711,7 +3711,7 @@
         <c:majorTickMark val="out"/>
         <c:minorTickMark val="none"/>
         <c:tickLblPos val="nextTo"/>
-        <c:crossAx val="177687552"/>
+        <c:crossAx val="189549568"/>
         <c:crosses val="autoZero"/>
         <c:auto val="1"/>
         <c:lblAlgn val="ctr"/>
@@ -3719,7 +3719,7 @@
         <c:noMultiLvlLbl val="0"/>
       </c:catAx>
       <c:valAx>
-        <c:axId val="177687552"/>
+        <c:axId val="189549568"/>
         <c:scaling>
           <c:orientation val="minMax"/>
           <c:max val="360"/>
@@ -3766,12 +3766,12 @@
             <a:endParaRPr lang="en-US"/>
           </a:p>
         </c:txPr>
-        <c:crossAx val="177686016"/>
+        <c:crossAx val="189548032"/>
         <c:crosses val="autoZero"/>
         <c:crossBetween val="between"/>
       </c:valAx>
       <c:valAx>
-        <c:axId val="177697920"/>
+        <c:axId val="189559936"/>
         <c:scaling>
           <c:orientation val="minMax"/>
           <c:max val="0.34000000000000008"/>
@@ -3817,12 +3817,12 @@
             <a:endParaRPr lang="en-US"/>
           </a:p>
         </c:txPr>
-        <c:crossAx val="177699840"/>
+        <c:crossAx val="189561856"/>
         <c:crosses val="max"/>
         <c:crossBetween val="between"/>
       </c:valAx>
       <c:catAx>
-        <c:axId val="177699840"/>
+        <c:axId val="189561856"/>
         <c:scaling>
           <c:orientation val="minMax"/>
         </c:scaling>
@@ -3831,7 +3831,7 @@
         <c:majorTickMark val="out"/>
         <c:minorTickMark val="none"/>
         <c:tickLblPos val="nextTo"/>
-        <c:crossAx val="177697920"/>
+        <c:crossAx val="189559936"/>
         <c:crosses val="autoZero"/>
         <c:auto val="1"/>
         <c:lblAlgn val="ctr"/>
@@ -4048,8 +4048,8 @@
           <c:showBubbleSize val="0"/>
         </c:dLbls>
         <c:gapWidth val="150"/>
-        <c:axId val="165014528"/>
-        <c:axId val="165483264"/>
+        <c:axId val="190315520"/>
+        <c:axId val="189276928"/>
       </c:barChart>
       <c:barChart>
         <c:barDir val="col"/>
@@ -4249,11 +4249,11 @@
           <c:showBubbleSize val="0"/>
         </c:dLbls>
         <c:gapWidth val="150"/>
-        <c:axId val="165491456"/>
-        <c:axId val="165485184"/>
+        <c:axId val="189285120"/>
+        <c:axId val="189278848"/>
       </c:barChart>
       <c:catAx>
-        <c:axId val="165014528"/>
+        <c:axId val="190315520"/>
         <c:scaling>
           <c:orientation val="minMax"/>
         </c:scaling>
@@ -4272,7 +4272,7 @@
             <a:endParaRPr lang="en-US"/>
           </a:p>
         </c:txPr>
-        <c:crossAx val="165483264"/>
+        <c:crossAx val="189276928"/>
         <c:crosses val="autoZero"/>
         <c:auto val="1"/>
         <c:lblAlgn val="ctr"/>
@@ -4280,7 +4280,7 @@
         <c:noMultiLvlLbl val="0"/>
       </c:catAx>
       <c:valAx>
-        <c:axId val="165483264"/>
+        <c:axId val="189276928"/>
         <c:scaling>
           <c:orientation val="minMax"/>
           <c:max val="1.1500000000000001"/>
@@ -4337,13 +4337,13 @@
             <a:endParaRPr lang="en-US"/>
           </a:p>
         </c:txPr>
-        <c:crossAx val="165014528"/>
+        <c:crossAx val="190315520"/>
         <c:crosses val="autoZero"/>
         <c:crossBetween val="between"/>
         <c:majorUnit val="5.000000000000001E-2"/>
       </c:valAx>
       <c:valAx>
-        <c:axId val="165485184"/>
+        <c:axId val="189278848"/>
         <c:scaling>
           <c:orientation val="minMax"/>
           <c:min val="74"/>
@@ -4384,12 +4384,12 @@
             <a:endParaRPr lang="en-US"/>
           </a:p>
         </c:txPr>
-        <c:crossAx val="165491456"/>
+        <c:crossAx val="189285120"/>
         <c:crosses val="max"/>
         <c:crossBetween val="between"/>
       </c:valAx>
       <c:catAx>
-        <c:axId val="165491456"/>
+        <c:axId val="189285120"/>
         <c:scaling>
           <c:orientation val="minMax"/>
         </c:scaling>
@@ -4398,7 +4398,7 @@
         <c:majorTickMark val="out"/>
         <c:minorTickMark val="none"/>
         <c:tickLblPos val="nextTo"/>
-        <c:crossAx val="165485184"/>
+        <c:crossAx val="189278848"/>
         <c:crosses val="autoZero"/>
         <c:auto val="1"/>
         <c:lblAlgn val="ctr"/>
@@ -5169,11 +5169,11 @@
         </c:dLbls>
         <c:marker val="1"/>
         <c:smooth val="0"/>
-        <c:axId val="165117952"/>
-        <c:axId val="165119872"/>
+        <c:axId val="190357504"/>
+        <c:axId val="190359424"/>
       </c:lineChart>
       <c:catAx>
-        <c:axId val="165117952"/>
+        <c:axId val="190357504"/>
         <c:scaling>
           <c:orientation val="minMax"/>
         </c:scaling>
@@ -5190,7 +5190,7 @@
                 </a:pPr>
                 <a:r>
                   <a:rPr lang="en-US" sz="2400" dirty="0" smtClean="0"/>
-                  <a:t>Processor Operating Frequency</a:t>
+                  <a:t>Processor Operating Frequency (MHz)</a:t>
                 </a:r>
                 <a:endParaRPr lang="en-US" sz="2400" dirty="0"/>
               </a:p>
@@ -5210,7 +5210,7 @@
         <c:majorTickMark val="out"/>
         <c:minorTickMark val="none"/>
         <c:tickLblPos val="nextTo"/>
-        <c:crossAx val="165119872"/>
+        <c:crossAx val="190359424"/>
         <c:crosses val="autoZero"/>
         <c:auto val="1"/>
         <c:lblAlgn val="ctr"/>
@@ -5220,9 +5220,10 @@
         <c:noMultiLvlLbl val="0"/>
       </c:catAx>
       <c:valAx>
-        <c:axId val="165119872"/>
+        <c:axId val="190359424"/>
         <c:scaling>
           <c:orientation val="minMax"/>
+          <c:max val="110"/>
           <c:min val="60"/>
         </c:scaling>
         <c:delete val="0"/>
@@ -5252,7 +5253,7 @@
         <c:majorTickMark val="out"/>
         <c:minorTickMark val="none"/>
         <c:tickLblPos val="nextTo"/>
-        <c:crossAx val="165117952"/>
+        <c:crossAx val="190357504"/>
         <c:crosses val="autoZero"/>
         <c:crossBetween val="midCat"/>
       </c:valAx>
@@ -5263,13 +5264,13 @@
         <c:manualLayout>
           <c:xMode val="edge"/>
           <c:yMode val="edge"/>
-          <c:x val="0.15775270824309864"/>
-          <c:y val="5.4545454545454543E-2"/>
-          <c:w val="0.68171855168517703"/>
+          <c:x val="0.14942461275722149"/>
+          <c:y val="0.05"/>
+          <c:w val="0.81635609537352438"/>
           <c:h val="0.15002887139107612"/>
         </c:manualLayout>
       </c:layout>
-      <c:overlay val="1"/>
+      <c:overlay val="0"/>
     </c:legend>
     <c:plotVisOnly val="1"/>
     <c:dispBlanksAs val="gap"/>
@@ -5539,11 +5540,11 @@
         </c:dLbls>
         <c:marker val="1"/>
         <c:smooth val="0"/>
-        <c:axId val="165039488"/>
-        <c:axId val="165041280"/>
+        <c:axId val="190411520"/>
+        <c:axId val="190413056"/>
       </c:lineChart>
       <c:catAx>
-        <c:axId val="165039488"/>
+        <c:axId val="190411520"/>
         <c:scaling>
           <c:orientation val="minMax"/>
         </c:scaling>
@@ -5565,7 +5566,7 @@
             <a:endParaRPr lang="en-US"/>
           </a:p>
         </c:txPr>
-        <c:crossAx val="165041280"/>
+        <c:crossAx val="190413056"/>
         <c:crosses val="autoZero"/>
         <c:auto val="1"/>
         <c:lblAlgn val="ctr"/>
@@ -5573,7 +5574,7 @@
         <c:noMultiLvlLbl val="0"/>
       </c:catAx>
       <c:valAx>
-        <c:axId val="165041280"/>
+        <c:axId val="190413056"/>
         <c:scaling>
           <c:orientation val="minMax"/>
           <c:max val="20"/>
@@ -5620,7 +5621,7 @@
             <a:endParaRPr lang="en-US"/>
           </a:p>
         </c:txPr>
-        <c:crossAx val="165039488"/>
+        <c:crossAx val="190411520"/>
         <c:crosses val="autoZero"/>
         <c:crossBetween val="between"/>
       </c:valAx>
@@ -6134,11 +6135,11 @@
           <c:showBubbleSize val="0"/>
         </c:dLbls>
         <c:gapWidth val="50"/>
-        <c:axId val="165184640"/>
-        <c:axId val="165186176"/>
+        <c:axId val="190499072"/>
+        <c:axId val="190509056"/>
       </c:barChart>
       <c:catAx>
-        <c:axId val="165184640"/>
+        <c:axId val="190499072"/>
         <c:scaling>
           <c:orientation val="minMax"/>
         </c:scaling>
@@ -6157,7 +6158,7 @@
             <a:endParaRPr lang="en-US"/>
           </a:p>
         </c:txPr>
-        <c:crossAx val="165186176"/>
+        <c:crossAx val="190509056"/>
         <c:crosses val="autoZero"/>
         <c:auto val="1"/>
         <c:lblAlgn val="ctr"/>
@@ -6165,7 +6166,7 @@
         <c:noMultiLvlLbl val="0"/>
       </c:catAx>
       <c:valAx>
-        <c:axId val="165186176"/>
+        <c:axId val="190509056"/>
         <c:scaling>
           <c:orientation val="minMax"/>
         </c:scaling>
@@ -6195,7 +6196,7 @@
         <c:majorTickMark val="out"/>
         <c:minorTickMark val="none"/>
         <c:tickLblPos val="nextTo"/>
-        <c:crossAx val="165184640"/>
+        <c:crossAx val="190499072"/>
         <c:crosses val="autoZero"/>
         <c:crossBetween val="between"/>
       </c:valAx>
@@ -7900,7 +7901,7 @@
           <a:p>
             <a:fld id="{193C0D47-2225-4D24-AA75-D9B7C8AFF227}" type="datetimeFigureOut">
               <a:rPr lang="en-US" smtClean="0"/>
-              <a:t>9/4/2014</a:t>
+              <a:t>9/6/2014</a:t>
             </a:fld>
             <a:endParaRPr lang="en-US"/>
           </a:p>
@@ -8066,7 +8067,7 @@
           <a:p>
             <a:fld id="{1F58A4DD-8282-4F46-9AB5-3F09F8B0021F}" type="datetimeFigureOut">
               <a:rPr lang="en-US" smtClean="0"/>
-              <a:t>9/4/2014</a:t>
+              <a:t>9/6/2014</a:t>
             </a:fld>
             <a:endParaRPr lang="en-US"/>
           </a:p>
@@ -8644,45 +8645,6 @@
               <a:t> calculation</a:t>
             </a:r>
           </a:p>
-          <a:p>
-            <a:r>
-              <a:rPr lang="en-US" baseline="0" dirty="0" smtClean="0"/>
-              <a:t>Impractical on ASIC, </a:t>
-            </a:r>
-            <a:r>
-              <a:rPr lang="en-US" dirty="0" smtClean="0"/>
-              <a:t>3 Cycles</a:t>
-            </a:r>
-            <a:r>
-              <a:rPr lang="en-US" baseline="0" dirty="0" smtClean="0"/>
-              <a:t> to access </a:t>
-            </a:r>
-            <a:r>
-              <a:rPr lang="en-US" baseline="0" dirty="0" err="1" smtClean="0"/>
-              <a:t>iCache</a:t>
-            </a:r>
-            <a:r>
-              <a:rPr lang="en-US" baseline="0" dirty="0" smtClean="0"/>
-              <a:t>, won’t even see </a:t>
-            </a:r>
-            <a:r>
-              <a:rPr lang="en-US" baseline="0" dirty="0" err="1" smtClean="0"/>
-              <a:t>insn</a:t>
-            </a:r>
-            <a:r>
-              <a:rPr lang="en-US" baseline="0" dirty="0" smtClean="0"/>
-              <a:t> in 1 </a:t>
-            </a:r>
-            <a:r>
-              <a:rPr lang="en-US" baseline="0" dirty="0" err="1" smtClean="0"/>
-              <a:t>cycel</a:t>
-            </a:r>
-            <a:r>
-              <a:rPr lang="en-US" baseline="0" dirty="0" smtClean="0"/>
-              <a:t>.</a:t>
-            </a:r>
-            <a:endParaRPr lang="en-US" dirty="0"/>
-          </a:p>
         </p:txBody>
       </p:sp>
       <p:sp>
@@ -9262,7 +9224,30 @@
             </a:pPr>
             <a:r>
               <a:rPr lang="en-US" baseline="0" dirty="0" smtClean="0"/>
-              <a:t>Base is fast but capped at 270MHz</a:t>
+              <a:t>Base is BTB-bimodal no filtering</a:t>
+            </a:r>
+          </a:p>
+          <a:p>
+            <a:pPr marL="0" marR="0" indent="0" algn="l" defTabSz="914400" rtl="0" eaLnBrk="1" fontAlgn="auto" latinLnBrk="0" hangingPunct="1">
+              <a:lnSpc>
+                <a:spcPct val="100000"/>
+              </a:lnSpc>
+              <a:spcBef>
+                <a:spcPts val="0"/>
+              </a:spcBef>
+              <a:spcAft>
+                <a:spcPts val="0"/>
+              </a:spcAft>
+              <a:buClrTx/>
+              <a:buSzTx/>
+              <a:buFontTx/>
+              <a:buNone/>
+              <a:tabLst/>
+              <a:defRPr/>
+            </a:pPr>
+            <a:r>
+              <a:rPr lang="en-US" baseline="0" dirty="0" smtClean="0"/>
+              <a:t>fast but capped at 270MHz</a:t>
             </a:r>
           </a:p>
           <a:p>
@@ -11309,6 +11294,62 @@
         <p:txBody>
           <a:bodyPr/>
           <a:lstStyle/>
+          <a:p>
+            <a:pPr marL="0" marR="0" indent="0" algn="l" defTabSz="914400" rtl="0" eaLnBrk="1" fontAlgn="auto" latinLnBrk="0" hangingPunct="1">
+              <a:lnSpc>
+                <a:spcPct val="100000"/>
+              </a:lnSpc>
+              <a:spcBef>
+                <a:spcPts val="0"/>
+              </a:spcBef>
+              <a:spcAft>
+                <a:spcPts val="0"/>
+              </a:spcAft>
+              <a:buClrTx/>
+              <a:buSzTx/>
+              <a:buFontTx/>
+              <a:buNone/>
+              <a:tabLst/>
+              <a:defRPr/>
+            </a:pPr>
+            <a:r>
+              <a:rPr lang="en-US" baseline="0" dirty="0" smtClean="0"/>
+              <a:t>Impractical on ASIC, </a:t>
+            </a:r>
+            <a:r>
+              <a:rPr lang="en-US" dirty="0" smtClean="0"/>
+              <a:t>3 Cycles</a:t>
+            </a:r>
+            <a:r>
+              <a:rPr lang="en-US" baseline="0" dirty="0" smtClean="0"/>
+              <a:t> to access </a:t>
+            </a:r>
+            <a:r>
+              <a:rPr lang="en-US" baseline="0" dirty="0" err="1" smtClean="0"/>
+              <a:t>iCache</a:t>
+            </a:r>
+            <a:r>
+              <a:rPr lang="en-US" baseline="0" dirty="0" smtClean="0"/>
+              <a:t>, won’t even see </a:t>
+            </a:r>
+            <a:r>
+              <a:rPr lang="en-US" baseline="0" dirty="0" err="1" smtClean="0"/>
+              <a:t>insn</a:t>
+            </a:r>
+            <a:r>
+              <a:rPr lang="en-US" baseline="0" dirty="0" smtClean="0"/>
+              <a:t> in 1 </a:t>
+            </a:r>
+            <a:r>
+              <a:rPr lang="en-US" baseline="0" dirty="0" err="1" smtClean="0"/>
+              <a:t>cycel</a:t>
+            </a:r>
+            <a:r>
+              <a:rPr lang="en-US" baseline="0" dirty="0" smtClean="0"/>
+              <a:t>.</a:t>
+            </a:r>
+            <a:endParaRPr lang="en-US" dirty="0" smtClean="0"/>
+          </a:p>
           <a:p>
             <a:r>
               <a:rPr lang="en-US" dirty="0" smtClean="0"/>
@@ -11539,7 +11580,7 @@
           <a:p>
             <a:fld id="{F65230FE-7BC7-4052-8407-2780FEB38175}" type="datetime1">
               <a:rPr lang="en-US" smtClean="0"/>
-              <a:t>9/4/2014</a:t>
+              <a:t>9/6/2014</a:t>
             </a:fld>
             <a:endParaRPr lang="en-US" dirty="0"/>
           </a:p>
@@ -11725,7 +11766,7 @@
           <a:p>
             <a:fld id="{683BA984-A100-4BA6-9409-1901E229EE15}" type="datetime1">
               <a:rPr lang="en-US" smtClean="0"/>
-              <a:t>9/4/2014</a:t>
+              <a:t>9/6/2014</a:t>
             </a:fld>
             <a:endParaRPr lang="en-US"/>
           </a:p>
@@ -11912,7 +11953,7 @@
           <a:p>
             <a:fld id="{F080BEC5-EEAC-46E6-A2C4-457F5421477D}" type="datetime1">
               <a:rPr lang="en-US" smtClean="0"/>
-              <a:t>9/4/2014</a:t>
+              <a:t>9/6/2014</a:t>
             </a:fld>
             <a:endParaRPr lang="en-US"/>
           </a:p>
@@ -12110,7 +12151,7 @@
           <a:p>
             <a:fld id="{5A8A0806-4781-41C6-94C8-64F6476CE849}" type="datetime1">
               <a:rPr lang="en-US" smtClean="0"/>
-              <a:t>9/4/2014</a:t>
+              <a:t>9/6/2014</a:t>
             </a:fld>
             <a:endParaRPr lang="en-US" dirty="0"/>
           </a:p>
@@ -12363,7 +12404,7 @@
           <a:p>
             <a:fld id="{FDC9BFCA-51BA-40E8-B0FF-AA5D7031B1B6}" type="datetime1">
               <a:rPr lang="en-US" smtClean="0"/>
-              <a:t>9/4/2014</a:t>
+              <a:t>9/6/2014</a:t>
             </a:fld>
             <a:endParaRPr lang="en-US"/>
           </a:p>
@@ -12674,7 +12715,7 @@
           <a:p>
             <a:fld id="{BD56A612-9A5F-4584-8C7E-1723F50BB37E}" type="datetime1">
               <a:rPr lang="en-US" smtClean="0"/>
-              <a:t>9/4/2014</a:t>
+              <a:t>9/6/2014</a:t>
             </a:fld>
             <a:endParaRPr lang="en-US"/>
           </a:p>
@@ -13115,7 +13156,7 @@
           <a:p>
             <a:fld id="{C8565822-3DBE-4EE9-B7C1-26253DEDC190}" type="datetime1">
               <a:rPr lang="en-US" smtClean="0"/>
-              <a:t>9/4/2014</a:t>
+              <a:t>9/6/2014</a:t>
             </a:fld>
             <a:endParaRPr lang="en-US"/>
           </a:p>
@@ -13256,7 +13297,7 @@
           <a:p>
             <a:fld id="{F7504457-DF5A-4C8A-9C71-44BE4950CA4A}" type="datetime1">
               <a:rPr lang="en-US" smtClean="0"/>
-              <a:t>9/4/2014</a:t>
+              <a:t>9/6/2014</a:t>
             </a:fld>
             <a:endParaRPr lang="en-US"/>
           </a:p>
@@ -13358,7 +13399,7 @@
           <a:p>
             <a:fld id="{F3A32CD6-3275-4AA9-997D-62071C1C106A}" type="datetime1">
               <a:rPr lang="en-US" smtClean="0"/>
-              <a:t>9/4/2014</a:t>
+              <a:t>9/6/2014</a:t>
             </a:fld>
             <a:endParaRPr lang="en-US"/>
           </a:p>
@@ -13642,7 +13683,7 @@
           <a:p>
             <a:fld id="{EAAE3772-EA69-4CBA-B44A-BD763740D1C7}" type="datetime1">
               <a:rPr lang="en-US" smtClean="0"/>
-              <a:t>9/4/2014</a:t>
+              <a:t>9/6/2014</a:t>
             </a:fld>
             <a:endParaRPr lang="en-US"/>
           </a:p>
@@ -13902,7 +13943,7 @@
           <a:p>
             <a:fld id="{B14F1248-72E8-4743-B1F9-F0B12CE94A2F}" type="datetime1">
               <a:rPr lang="en-US" smtClean="0"/>
-              <a:t>9/4/2014</a:t>
+              <a:t>9/6/2014</a:t>
             </a:fld>
             <a:endParaRPr lang="en-US"/>
           </a:p>
@@ -14125,7 +14166,7 @@
           <a:p>
             <a:fld id="{E905AD09-3214-495C-88DE-49DF2E1AF1A5}" type="datetime1">
               <a:rPr lang="en-US" smtClean="0"/>
-              <a:t>9/4/2014</a:t>
+              <a:t>9/6/2014</a:t>
             </a:fld>
             <a:endParaRPr lang="en-US"/>
           </a:p>
@@ -19676,6 +19717,41 @@
                                   </p:childTnLst>
                                 </p:cTn>
                               </p:par>
+                              <p:par>
+                                <p:cTn id="24" presetID="22" presetClass="entr" presetSubtype="8" fill="hold" grpId="0" nodeType="withEffect">
+                                  <p:stCondLst>
+                                    <p:cond delay="0"/>
+                                  </p:stCondLst>
+                                  <p:childTnLst>
+                                    <p:set>
+                                      <p:cBhvr>
+                                        <p:cTn id="25" dur="1" fill="hold">
+                                          <p:stCondLst>
+                                            <p:cond delay="0"/>
+                                          </p:stCondLst>
+                                        </p:cTn>
+                                        <p:tgtEl>
+                                          <p:spTgt spid="14"/>
+                                        </p:tgtEl>
+                                        <p:attrNameLst>
+                                          <p:attrName>style.visibility</p:attrName>
+                                        </p:attrNameLst>
+                                      </p:cBhvr>
+                                      <p:to>
+                                        <p:strVal val="visible"/>
+                                      </p:to>
+                                    </p:set>
+                                    <p:animEffect transition="in" filter="wipe(left)">
+                                      <p:cBhvr>
+                                        <p:cTn id="26" dur="500"/>
+                                        <p:tgtEl>
+                                          <p:spTgt spid="14"/>
+                                        </p:tgtEl>
+                                      </p:cBhvr>
+                                    </p:animEffect>
+                                  </p:childTnLst>
+                                </p:cTn>
+                              </p:par>
                             </p:childTnLst>
                           </p:cTn>
                         </p:par>
@@ -19683,26 +19759,26 @@
                     </p:cTn>
                   </p:par>
                   <p:par>
-                    <p:cTn id="24" fill="hold">
+                    <p:cTn id="27" fill="hold">
                       <p:stCondLst>
                         <p:cond delay="indefinite"/>
                       </p:stCondLst>
                       <p:childTnLst>
                         <p:par>
-                          <p:cTn id="25" fill="hold">
+                          <p:cTn id="28" fill="hold">
                             <p:stCondLst>
                               <p:cond delay="0"/>
                             </p:stCondLst>
                             <p:childTnLst>
                               <p:par>
-                                <p:cTn id="26" presetID="10" presetClass="entr" presetSubtype="0" fill="hold" grpId="0" nodeType="clickEffect">
+                                <p:cTn id="29" presetID="10" presetClass="entr" presetSubtype="0" fill="hold" grpId="0" nodeType="clickEffect">
                                   <p:stCondLst>
                                     <p:cond delay="0"/>
                                   </p:stCondLst>
                                   <p:childTnLst>
                                     <p:set>
                                       <p:cBhvr>
-                                        <p:cTn id="27" dur="1" fill="hold">
+                                        <p:cTn id="30" dur="1" fill="hold">
                                           <p:stCondLst>
                                             <p:cond delay="0"/>
                                           </p:stCondLst>
@@ -19720,7 +19796,7 @@
                                     </p:set>
                                     <p:animEffect transition="in" filter="fade">
                                       <p:cBhvr>
-                                        <p:cTn id="28" dur="500"/>
+                                        <p:cTn id="31" dur="500"/>
                                         <p:tgtEl>
                                           <p:spTgt spid="18"/>
                                         </p:tgtEl>
@@ -19757,6 +19833,7 @@
       </p:par>
     </p:tnLst>
     <p:bldLst>
+      <p:bldP spid="14" grpId="0"/>
       <p:bldGraphic spid="17" grpId="0">
         <p:bldAsOne/>
       </p:bldGraphic>
@@ -29108,7 +29185,7 @@
           <p:nvPr>
             <p:extLst>
               <p:ext uri="{D42A27DB-BD31-4B8C-83A1-F6EECF244321}">
-                <p14:modId xmlns:p14="http://schemas.microsoft.com/office/powerpoint/2010/main" val="2533954819"/>
+                <p14:modId xmlns:p14="http://schemas.microsoft.com/office/powerpoint/2010/main" val="1915884025"/>
               </p:ext>
             </p:extLst>
           </p:nvPr>
@@ -29131,8 +29208,8 @@
         </p:nvCxnSpPr>
         <p:spPr>
           <a:xfrm>
-            <a:off x="4953000" y="2743200"/>
-            <a:ext cx="0" cy="1905000"/>
+            <a:off x="3861756" y="2895600"/>
+            <a:ext cx="0" cy="1752600"/>
           </a:xfrm>
           <a:prstGeom prst="line">
             <a:avLst/>
@@ -29202,6 +29279,110 @@
               <a:t> when the processor runs above 293MHz </a:t>
             </a:r>
             <a:endParaRPr lang="en-US" sz="2000" b="1" dirty="0"/>
+          </a:p>
+        </p:txBody>
+      </p:sp>
+      <p:sp>
+        <p:nvSpPr>
+          <p:cNvPr id="7" name="TextBox 6"/>
+          <p:cNvSpPr txBox="1"/>
+          <p:nvPr/>
+        </p:nvSpPr>
+        <p:spPr>
+          <a:xfrm>
+            <a:off x="1905000" y="4285292"/>
+            <a:ext cx="2133600" cy="307777"/>
+          </a:xfrm>
+          <a:prstGeom prst="rect">
+            <a:avLst/>
+          </a:prstGeom>
+          <a:noFill/>
+        </p:spPr>
+        <p:txBody>
+          <a:bodyPr wrap="square" rtlCol="0">
+            <a:spAutoFit/>
+          </a:bodyPr>
+          <a:lstStyle/>
+          <a:p>
+            <a:r>
+              <a:rPr lang="en-US" sz="1400" b="1" dirty="0" smtClean="0"/>
+              <a:t>Current Speed 270MHz</a:t>
+            </a:r>
+            <a:endParaRPr lang="en-US" sz="1400" b="1" dirty="0"/>
+          </a:p>
+        </p:txBody>
+      </p:sp>
+      <p:cxnSp>
+        <p:nvCxnSpPr>
+          <p:cNvPr id="10" name="Straight Connector 9"/>
+          <p:cNvCxnSpPr/>
+          <p:nvPr/>
+        </p:nvCxnSpPr>
+        <p:spPr>
+          <a:xfrm flipH="1">
+            <a:off x="4927122" y="2895600"/>
+            <a:ext cx="5751" cy="1752600"/>
+          </a:xfrm>
+          <a:prstGeom prst="line">
+            <a:avLst/>
+          </a:prstGeom>
+          <a:ln w="28575">
+            <a:solidFill>
+              <a:srgbClr val="FF0000"/>
+            </a:solidFill>
+            <a:prstDash val="dashDot"/>
+          </a:ln>
+        </p:spPr>
+        <p:style>
+          <a:lnRef idx="1">
+            <a:schemeClr val="accent1"/>
+          </a:lnRef>
+          <a:fillRef idx="0">
+            <a:schemeClr val="accent1"/>
+          </a:fillRef>
+          <a:effectRef idx="0">
+            <a:schemeClr val="accent1"/>
+          </a:effectRef>
+          <a:fontRef idx="minor">
+            <a:schemeClr val="tx1"/>
+          </a:fontRef>
+        </p:style>
+      </p:cxnSp>
+      <p:sp>
+        <p:nvSpPr>
+          <p:cNvPr id="11" name="TextBox 10"/>
+          <p:cNvSpPr txBox="1"/>
+          <p:nvPr/>
+        </p:nvSpPr>
+        <p:spPr>
+          <a:xfrm>
+            <a:off x="4932873" y="4285292"/>
+            <a:ext cx="2133600" cy="307777"/>
+          </a:xfrm>
+          <a:prstGeom prst="rect">
+            <a:avLst/>
+          </a:prstGeom>
+          <a:noFill/>
+        </p:spPr>
+        <p:txBody>
+          <a:bodyPr wrap="square" rtlCol="0">
+            <a:spAutoFit/>
+          </a:bodyPr>
+          <a:lstStyle/>
+          <a:p>
+            <a:r>
+              <a:rPr lang="en-US" sz="1400" b="1" dirty="0" smtClean="0">
+                <a:solidFill>
+                  <a:srgbClr val="FF0000"/>
+                </a:solidFill>
+              </a:rPr>
+              <a:t>293MHz</a:t>
+            </a:r>
+            <a:endParaRPr lang="en-US" sz="1400" b="1" dirty="0">
+              <a:solidFill>
+                <a:srgbClr val="FF0000"/>
+              </a:solidFill>
+            </a:endParaRPr>
           </a:p>
         </p:txBody>
       </p:sp>
@@ -30210,7 +30391,7 @@
         </p:nvSpPr>
         <p:spPr>
           <a:xfrm>
-            <a:off x="3974072" y="2196453"/>
+            <a:off x="1340642" y="2196453"/>
             <a:ext cx="1806418" cy="1943340"/>
           </a:xfrm>
           <a:prstGeom prst="rect">
@@ -30254,7 +30435,7 @@
         </p:nvSpPr>
         <p:spPr>
           <a:xfrm>
-            <a:off x="3974073" y="1436132"/>
+            <a:off x="1340643" y="1436132"/>
             <a:ext cx="739140" cy="691980"/>
           </a:xfrm>
           <a:prstGeom prst="rect">
@@ -30308,7 +30489,7 @@
         </p:nvSpPr>
         <p:spPr>
           <a:xfrm>
-            <a:off x="3966452" y="1066800"/>
+            <a:off x="1333022" y="1066800"/>
             <a:ext cx="746760" cy="369332"/>
           </a:xfrm>
           <a:prstGeom prst="rect">
@@ -30338,7 +30519,7 @@
         </p:nvSpPr>
         <p:spPr>
           <a:xfrm>
-            <a:off x="4817273" y="1066800"/>
+            <a:off x="2183843" y="1066800"/>
             <a:ext cx="899160" cy="369332"/>
           </a:xfrm>
           <a:prstGeom prst="rect">
@@ -30368,7 +30549,7 @@
         </p:nvCxnSpPr>
         <p:spPr>
           <a:xfrm>
-            <a:off x="4713212" y="1782122"/>
+            <a:off x="2079782" y="1782122"/>
             <a:ext cx="533400" cy="0"/>
           </a:xfrm>
           <a:prstGeom prst="straightConnector1">
@@ -30404,7 +30585,7 @@
         </p:nvSpPr>
         <p:spPr>
           <a:xfrm>
-            <a:off x="4343643" y="2768193"/>
+            <a:off x="1710213" y="2768193"/>
             <a:ext cx="169116" cy="618490"/>
           </a:xfrm>
           <a:prstGeom prst="roundRect">
@@ -30451,7 +30632,7 @@
         </p:nvSpPr>
         <p:spPr>
           <a:xfrm>
-            <a:off x="4877280" y="2768193"/>
+            <a:off x="2243850" y="2768193"/>
             <a:ext cx="839153" cy="618490"/>
           </a:xfrm>
           <a:prstGeom prst="roundRect">
@@ -30498,7 +30679,7 @@
         </p:nvCxnSpPr>
         <p:spPr>
           <a:xfrm>
-            <a:off x="5094690" y="3474575"/>
+            <a:off x="2461260" y="3474575"/>
             <a:ext cx="0" cy="383160"/>
           </a:xfrm>
           <a:prstGeom prst="straightConnector1">
@@ -30534,7 +30715,7 @@
         </p:nvCxnSpPr>
         <p:spPr>
           <a:xfrm>
-            <a:off x="5296857" y="3386683"/>
+            <a:off x="2663427" y="3386683"/>
             <a:ext cx="0" cy="471052"/>
           </a:xfrm>
           <a:prstGeom prst="straightConnector1">
@@ -30570,7 +30751,7 @@
         </p:nvCxnSpPr>
         <p:spPr>
           <a:xfrm>
-            <a:off x="3678582" y="1773504"/>
+            <a:off x="1045152" y="1773504"/>
             <a:ext cx="303110" cy="0"/>
           </a:xfrm>
           <a:prstGeom prst="straightConnector1">
@@ -30606,7 +30787,7 @@
         </p:nvCxnSpPr>
         <p:spPr>
           <a:xfrm>
-            <a:off x="3678582" y="2768193"/>
+            <a:off x="1045152" y="2768193"/>
             <a:ext cx="295490" cy="0"/>
           </a:xfrm>
           <a:prstGeom prst="straightConnector1">
@@ -30642,7 +30823,7 @@
         </p:nvCxnSpPr>
         <p:spPr>
           <a:xfrm>
-            <a:off x="3243030" y="3959525"/>
+            <a:off x="609600" y="3959525"/>
             <a:ext cx="1713115" cy="0"/>
           </a:xfrm>
           <a:prstGeom prst="line">
@@ -30677,7 +30858,7 @@
         </p:nvSpPr>
         <p:spPr>
           <a:xfrm>
-            <a:off x="4957531" y="3857735"/>
+            <a:off x="2324101" y="3857735"/>
             <a:ext cx="518160" cy="203580"/>
           </a:xfrm>
           <a:prstGeom prst="roundRect">
@@ -30720,7 +30901,7 @@
         </p:nvCxnSpPr>
         <p:spPr>
           <a:xfrm flipV="1">
-            <a:off x="4799413" y="1154511"/>
+            <a:off x="2165983" y="1154511"/>
             <a:ext cx="0" cy="3188889"/>
           </a:xfrm>
           <a:prstGeom prst="line">
@@ -30756,7 +30937,7 @@
         </p:nvCxnSpPr>
         <p:spPr>
           <a:xfrm>
-            <a:off x="3781147" y="3474575"/>
+            <a:off x="1147717" y="3474575"/>
             <a:ext cx="1313543" cy="0"/>
           </a:xfrm>
           <a:prstGeom prst="line">
@@ -30791,7 +30972,7 @@
         </p:nvSpPr>
         <p:spPr>
           <a:xfrm>
-            <a:off x="4799413" y="2204074"/>
+            <a:off x="2165983" y="2204074"/>
             <a:ext cx="981077" cy="307777"/>
           </a:xfrm>
           <a:prstGeom prst="rect">
@@ -30822,7 +31003,7 @@
         </p:nvCxnSpPr>
         <p:spPr>
           <a:xfrm>
-            <a:off x="4441537" y="3386683"/>
+            <a:off x="1808107" y="3386683"/>
             <a:ext cx="0" cy="87892"/>
           </a:xfrm>
           <a:prstGeom prst="line">
@@ -30857,7 +31038,7 @@
         </p:nvCxnSpPr>
         <p:spPr>
           <a:xfrm flipV="1">
-            <a:off x="3784570" y="3241251"/>
+            <a:off x="1151140" y="3241251"/>
             <a:ext cx="1" cy="233324"/>
           </a:xfrm>
           <a:prstGeom prst="straightConnector1">
@@ -30893,7 +31074,7 @@
         </p:nvCxnSpPr>
         <p:spPr>
           <a:xfrm flipV="1">
-            <a:off x="3584889" y="3253998"/>
+            <a:off x="951459" y="3253998"/>
             <a:ext cx="0" cy="412157"/>
           </a:xfrm>
           <a:prstGeom prst="straightConnector1">
@@ -30929,7 +31110,7 @@
         </p:nvSpPr>
         <p:spPr>
           <a:xfrm>
-            <a:off x="3443575" y="3091179"/>
+            <a:off x="810145" y="3091179"/>
             <a:ext cx="470015" cy="153888"/>
           </a:xfrm>
           <a:prstGeom prst="trapezoid">
@@ -30969,7 +31150,7 @@
         </p:nvCxnSpPr>
         <p:spPr>
           <a:xfrm>
-            <a:off x="3588222" y="3655805"/>
+            <a:off x="954792" y="3655805"/>
             <a:ext cx="1701729" cy="0"/>
           </a:xfrm>
           <a:prstGeom prst="line">
@@ -31004,7 +31185,7 @@
         </p:nvCxnSpPr>
         <p:spPr>
           <a:xfrm>
-            <a:off x="3243030" y="3168123"/>
+            <a:off x="609600" y="3168123"/>
             <a:ext cx="0" cy="791402"/>
           </a:xfrm>
           <a:prstGeom prst="line">
@@ -31039,7 +31220,7 @@
         </p:nvCxnSpPr>
         <p:spPr>
           <a:xfrm>
-            <a:off x="3243030" y="3168123"/>
+            <a:off x="609600" y="3168123"/>
             <a:ext cx="258602" cy="0"/>
           </a:xfrm>
           <a:prstGeom prst="straightConnector1">
@@ -31075,7 +31256,7 @@
         </p:nvSpPr>
         <p:spPr>
           <a:xfrm>
-            <a:off x="3243030" y="3959525"/>
+            <a:off x="609600" y="3959525"/>
             <a:ext cx="853964" cy="307777"/>
           </a:xfrm>
           <a:prstGeom prst="rect">
@@ -31105,7 +31286,7 @@
         </p:nvCxnSpPr>
         <p:spPr>
           <a:xfrm>
-            <a:off x="3678840" y="1773504"/>
+            <a:off x="1045410" y="1773504"/>
             <a:ext cx="0" cy="1309057"/>
           </a:xfrm>
           <a:prstGeom prst="line">
@@ -31140,7 +31321,7 @@
         </p:nvSpPr>
         <p:spPr>
           <a:xfrm>
-            <a:off x="3255367" y="1505123"/>
+            <a:off x="621937" y="1505123"/>
             <a:ext cx="746760" cy="276999"/>
           </a:xfrm>
           <a:prstGeom prst="rect">
@@ -31233,6 +31414,636 @@
           </a:p>
         </p:txBody>
       </p:sp>
+      <p:sp>
+        <p:nvSpPr>
+          <p:cNvPr id="34" name="TextBox 33"/>
+          <p:cNvSpPr txBox="1"/>
+          <p:nvPr/>
+        </p:nvSpPr>
+        <p:spPr>
+          <a:xfrm>
+            <a:off x="5867400" y="1057556"/>
+            <a:ext cx="962739" cy="369332"/>
+          </a:xfrm>
+          <a:prstGeom prst="rect">
+            <a:avLst/>
+          </a:prstGeom>
+          <a:noFill/>
+        </p:spPr>
+        <p:txBody>
+          <a:bodyPr wrap="square" rtlCol="0">
+            <a:spAutoFit/>
+          </a:bodyPr>
+          <a:lstStyle/>
+          <a:p>
+            <a:r>
+              <a:rPr lang="en-US" dirty="0" smtClean="0"/>
+              <a:t>Cycle 1</a:t>
+            </a:r>
+            <a:endParaRPr lang="en-US" dirty="0"/>
+          </a:p>
+        </p:txBody>
+      </p:sp>
+      <p:sp>
+        <p:nvSpPr>
+          <p:cNvPr id="35" name="TextBox 34"/>
+          <p:cNvSpPr txBox="1"/>
+          <p:nvPr/>
+        </p:nvSpPr>
+        <p:spPr>
+          <a:xfrm>
+            <a:off x="7239000" y="1057556"/>
+            <a:ext cx="899160" cy="369332"/>
+          </a:xfrm>
+          <a:prstGeom prst="rect">
+            <a:avLst/>
+          </a:prstGeom>
+          <a:noFill/>
+        </p:spPr>
+        <p:txBody>
+          <a:bodyPr wrap="square" rtlCol="0">
+            <a:spAutoFit/>
+          </a:bodyPr>
+          <a:lstStyle/>
+          <a:p>
+            <a:r>
+              <a:rPr lang="en-US" dirty="0" smtClean="0"/>
+              <a:t>Cycle 2</a:t>
+            </a:r>
+            <a:endParaRPr lang="en-US" dirty="0"/>
+          </a:p>
+        </p:txBody>
+      </p:sp>
+      <p:sp>
+        <p:nvSpPr>
+          <p:cNvPr id="40" name="Rectangle 39"/>
+          <p:cNvSpPr/>
+          <p:nvPr/>
+        </p:nvSpPr>
+        <p:spPr>
+          <a:xfrm>
+            <a:off x="5486400" y="1571655"/>
+            <a:ext cx="1430275" cy="360406"/>
+          </a:xfrm>
+          <a:prstGeom prst="rect">
+            <a:avLst/>
+          </a:prstGeom>
+          <a:solidFill>
+            <a:schemeClr val="accent1"/>
+          </a:solidFill>
+          <a:ln>
+            <a:noFill/>
+          </a:ln>
+        </p:spPr>
+        <p:style>
+          <a:lnRef idx="2">
+            <a:schemeClr val="accent1">
+              <a:shade val="50000"/>
+            </a:schemeClr>
+          </a:lnRef>
+          <a:fillRef idx="1">
+            <a:schemeClr val="accent1"/>
+          </a:fillRef>
+          <a:effectRef idx="0">
+            <a:schemeClr val="accent1"/>
+          </a:effectRef>
+          <a:fontRef idx="minor">
+            <a:schemeClr val="lt1"/>
+          </a:fontRef>
+        </p:style>
+        <p:txBody>
+          <a:bodyPr rtlCol="0" anchor="ctr"/>
+          <a:lstStyle/>
+          <a:p>
+            <a:pPr algn="ctr"/>
+            <a:r>
+              <a:rPr lang="en-US" dirty="0" smtClean="0"/>
+              <a:t>Fetch </a:t>
+            </a:r>
+            <a:r>
+              <a:rPr lang="en-US" dirty="0" err="1" smtClean="0"/>
+              <a:t>Insn</a:t>
+            </a:r>
+            <a:r>
+              <a:rPr lang="en-US" dirty="0" smtClean="0"/>
+              <a:t> A</a:t>
+            </a:r>
+            <a:endParaRPr lang="en-US" dirty="0"/>
+          </a:p>
+        </p:txBody>
+      </p:sp>
+      <p:sp>
+        <p:nvSpPr>
+          <p:cNvPr id="42" name="TextBox 41"/>
+          <p:cNvSpPr txBox="1"/>
+          <p:nvPr/>
+        </p:nvSpPr>
+        <p:spPr>
+          <a:xfrm>
+            <a:off x="3886200" y="1571655"/>
+            <a:ext cx="1825108" cy="338554"/>
+          </a:xfrm>
+          <a:prstGeom prst="rect">
+            <a:avLst/>
+          </a:prstGeom>
+          <a:noFill/>
+        </p:spPr>
+        <p:txBody>
+          <a:bodyPr wrap="square" rtlCol="0">
+            <a:spAutoFit/>
+          </a:bodyPr>
+          <a:lstStyle/>
+          <a:p>
+            <a:r>
+              <a:rPr lang="en-US" sz="1600" dirty="0" smtClean="0"/>
+              <a:t>Same prediction:</a:t>
+            </a:r>
+            <a:endParaRPr lang="en-US" sz="1600" dirty="0"/>
+          </a:p>
+        </p:txBody>
+      </p:sp>
+      <p:sp>
+        <p:nvSpPr>
+          <p:cNvPr id="47" name="Rectangle 46"/>
+          <p:cNvSpPr/>
+          <p:nvPr/>
+        </p:nvSpPr>
+        <p:spPr>
+          <a:xfrm>
+            <a:off x="6916340" y="1571655"/>
+            <a:ext cx="1430275" cy="360406"/>
+          </a:xfrm>
+          <a:prstGeom prst="rect">
+            <a:avLst/>
+          </a:prstGeom>
+          <a:solidFill>
+            <a:schemeClr val="accent1"/>
+          </a:solidFill>
+          <a:ln>
+            <a:noFill/>
+          </a:ln>
+        </p:spPr>
+        <p:style>
+          <a:lnRef idx="2">
+            <a:schemeClr val="accent1">
+              <a:shade val="50000"/>
+            </a:schemeClr>
+          </a:lnRef>
+          <a:fillRef idx="1">
+            <a:schemeClr val="accent1"/>
+          </a:fillRef>
+          <a:effectRef idx="0">
+            <a:schemeClr val="accent1"/>
+          </a:effectRef>
+          <a:fontRef idx="minor">
+            <a:schemeClr val="lt1"/>
+          </a:fontRef>
+        </p:style>
+        <p:txBody>
+          <a:bodyPr rtlCol="0" anchor="ctr"/>
+          <a:lstStyle/>
+          <a:p>
+            <a:pPr algn="ctr"/>
+            <a:r>
+              <a:rPr lang="en-US" dirty="0" smtClean="0"/>
+              <a:t>Continue</a:t>
+            </a:r>
+            <a:endParaRPr lang="en-US" dirty="0"/>
+          </a:p>
+        </p:txBody>
+      </p:sp>
+      <p:sp>
+        <p:nvSpPr>
+          <p:cNvPr id="49" name="Rectangle 48"/>
+          <p:cNvSpPr/>
+          <p:nvPr/>
+        </p:nvSpPr>
+        <p:spPr>
+          <a:xfrm>
+            <a:off x="5503925" y="2763794"/>
+            <a:ext cx="1430275" cy="360406"/>
+          </a:xfrm>
+          <a:prstGeom prst="rect">
+            <a:avLst/>
+          </a:prstGeom>
+          <a:solidFill>
+            <a:schemeClr val="accent1"/>
+          </a:solidFill>
+          <a:ln>
+            <a:noFill/>
+          </a:ln>
+        </p:spPr>
+        <p:style>
+          <a:lnRef idx="2">
+            <a:schemeClr val="accent1">
+              <a:shade val="50000"/>
+            </a:schemeClr>
+          </a:lnRef>
+          <a:fillRef idx="1">
+            <a:schemeClr val="accent1"/>
+          </a:fillRef>
+          <a:effectRef idx="0">
+            <a:schemeClr val="accent1"/>
+          </a:effectRef>
+          <a:fontRef idx="minor">
+            <a:schemeClr val="lt1"/>
+          </a:fontRef>
+        </p:style>
+        <p:txBody>
+          <a:bodyPr rtlCol="0" anchor="ctr"/>
+          <a:lstStyle/>
+          <a:p>
+            <a:pPr algn="ctr"/>
+            <a:r>
+              <a:rPr lang="en-US" dirty="0" smtClean="0"/>
+              <a:t>Fetch </a:t>
+            </a:r>
+            <a:r>
+              <a:rPr lang="en-US" dirty="0" err="1" smtClean="0"/>
+              <a:t>Insn</a:t>
+            </a:r>
+            <a:r>
+              <a:rPr lang="en-US" dirty="0" smtClean="0"/>
+              <a:t> A</a:t>
+            </a:r>
+            <a:endParaRPr lang="en-US" dirty="0"/>
+          </a:p>
+        </p:txBody>
+      </p:sp>
+      <p:sp>
+        <p:nvSpPr>
+          <p:cNvPr id="51" name="TextBox 50"/>
+          <p:cNvSpPr txBox="1"/>
+          <p:nvPr/>
+        </p:nvSpPr>
+        <p:spPr>
+          <a:xfrm>
+            <a:off x="3657600" y="2747889"/>
+            <a:ext cx="1959983" cy="338554"/>
+          </a:xfrm>
+          <a:prstGeom prst="rect">
+            <a:avLst/>
+          </a:prstGeom>
+          <a:noFill/>
+        </p:spPr>
+        <p:txBody>
+          <a:bodyPr wrap="square" rtlCol="0">
+            <a:spAutoFit/>
+          </a:bodyPr>
+          <a:lstStyle/>
+          <a:p>
+            <a:r>
+              <a:rPr lang="en-US" sz="1600" dirty="0" smtClean="0"/>
+              <a:t>Different prediction:</a:t>
+            </a:r>
+            <a:endParaRPr lang="en-US" sz="1600" dirty="0"/>
+          </a:p>
+        </p:txBody>
+      </p:sp>
+      <p:sp>
+        <p:nvSpPr>
+          <p:cNvPr id="55" name="Rectangle 54"/>
+          <p:cNvSpPr/>
+          <p:nvPr/>
+        </p:nvSpPr>
+        <p:spPr>
+          <a:xfrm>
+            <a:off x="6933865" y="2763794"/>
+            <a:ext cx="1430275" cy="360406"/>
+          </a:xfrm>
+          <a:prstGeom prst="rect">
+            <a:avLst/>
+          </a:prstGeom>
+          <a:solidFill>
+            <a:schemeClr val="accent1"/>
+          </a:solidFill>
+          <a:ln>
+            <a:noFill/>
+          </a:ln>
+        </p:spPr>
+        <p:style>
+          <a:lnRef idx="2">
+            <a:schemeClr val="accent1">
+              <a:shade val="50000"/>
+            </a:schemeClr>
+          </a:lnRef>
+          <a:fillRef idx="1">
+            <a:schemeClr val="accent1"/>
+          </a:fillRef>
+          <a:effectRef idx="0">
+            <a:schemeClr val="accent1"/>
+          </a:effectRef>
+          <a:fontRef idx="minor">
+            <a:schemeClr val="lt1"/>
+          </a:fontRef>
+        </p:style>
+        <p:txBody>
+          <a:bodyPr rtlCol="0" anchor="ctr"/>
+          <a:lstStyle/>
+          <a:p>
+            <a:pPr algn="ctr"/>
+            <a:r>
+              <a:rPr lang="en-US" dirty="0" smtClean="0"/>
+              <a:t>Fetch </a:t>
+            </a:r>
+            <a:r>
+              <a:rPr lang="en-US" dirty="0" err="1" smtClean="0"/>
+              <a:t>Insn</a:t>
+            </a:r>
+            <a:r>
+              <a:rPr lang="en-US" dirty="0" smtClean="0"/>
+              <a:t> B</a:t>
+            </a:r>
+            <a:endParaRPr lang="en-US" dirty="0"/>
+          </a:p>
+        </p:txBody>
+      </p:sp>
+      <p:cxnSp>
+        <p:nvCxnSpPr>
+          <p:cNvPr id="36" name="Straight Connector 35"/>
+          <p:cNvCxnSpPr/>
+          <p:nvPr/>
+        </p:nvCxnSpPr>
+        <p:spPr>
+          <a:xfrm flipV="1">
+            <a:off x="6916340" y="1145268"/>
+            <a:ext cx="0" cy="2095983"/>
+          </a:xfrm>
+          <a:prstGeom prst="line">
+            <a:avLst/>
+          </a:prstGeom>
+          <a:ln w="28575">
+            <a:solidFill>
+              <a:schemeClr val="tx1"/>
+            </a:solidFill>
+            <a:prstDash val="dashDot"/>
+          </a:ln>
+        </p:spPr>
+        <p:style>
+          <a:lnRef idx="1">
+            <a:schemeClr val="accent1"/>
+          </a:lnRef>
+          <a:fillRef idx="0">
+            <a:schemeClr val="accent1"/>
+          </a:fillRef>
+          <a:effectRef idx="0">
+            <a:schemeClr val="accent1"/>
+          </a:effectRef>
+          <a:fontRef idx="minor">
+            <a:schemeClr val="tx1"/>
+          </a:fontRef>
+        </p:style>
+      </p:cxnSp>
+      <p:cxnSp>
+        <p:nvCxnSpPr>
+          <p:cNvPr id="38" name="Straight Connector 37"/>
+          <p:cNvCxnSpPr/>
+          <p:nvPr/>
+        </p:nvCxnSpPr>
+        <p:spPr>
+          <a:xfrm flipV="1">
+            <a:off x="8346615" y="1154512"/>
+            <a:ext cx="5751" cy="2099486"/>
+          </a:xfrm>
+          <a:prstGeom prst="line">
+            <a:avLst/>
+          </a:prstGeom>
+          <a:ln w="28575">
+            <a:solidFill>
+              <a:schemeClr val="tx1"/>
+            </a:solidFill>
+            <a:prstDash val="dashDot"/>
+          </a:ln>
+        </p:spPr>
+        <p:style>
+          <a:lnRef idx="1">
+            <a:schemeClr val="accent1"/>
+          </a:lnRef>
+          <a:fillRef idx="0">
+            <a:schemeClr val="accent1"/>
+          </a:fillRef>
+          <a:effectRef idx="0">
+            <a:schemeClr val="accent1"/>
+          </a:effectRef>
+          <a:fontRef idx="minor">
+            <a:schemeClr val="tx1"/>
+          </a:fontRef>
+        </p:style>
+      </p:cxnSp>
+      <p:sp>
+        <p:nvSpPr>
+          <p:cNvPr id="59" name="TextBox 58"/>
+          <p:cNvSpPr txBox="1"/>
+          <p:nvPr/>
+        </p:nvSpPr>
+        <p:spPr>
+          <a:xfrm>
+            <a:off x="6016662" y="2164111"/>
+            <a:ext cx="404800" cy="338554"/>
+          </a:xfrm>
+          <a:prstGeom prst="rect">
+            <a:avLst/>
+          </a:prstGeom>
+          <a:noFill/>
+        </p:spPr>
+        <p:txBody>
+          <a:bodyPr wrap="square" rtlCol="0">
+            <a:spAutoFit/>
+          </a:bodyPr>
+          <a:lstStyle/>
+          <a:p>
+            <a:r>
+              <a:rPr lang="en-US" sz="1600" dirty="0" smtClean="0"/>
+              <a:t>T</a:t>
+            </a:r>
+            <a:r>
+              <a:rPr lang="en-US" sz="1600" baseline="-25000" dirty="0" smtClean="0"/>
+              <a:t>0</a:t>
+            </a:r>
+            <a:endParaRPr lang="en-US" sz="1600" dirty="0"/>
+          </a:p>
+        </p:txBody>
+      </p:sp>
+      <p:cxnSp>
+        <p:nvCxnSpPr>
+          <p:cNvPr id="60" name="Straight Arrow Connector 59"/>
+          <p:cNvCxnSpPr/>
+          <p:nvPr/>
+        </p:nvCxnSpPr>
+        <p:spPr>
+          <a:xfrm flipV="1">
+            <a:off x="6201536" y="1932061"/>
+            <a:ext cx="1" cy="233324"/>
+          </a:xfrm>
+          <a:prstGeom prst="straightConnector1">
+            <a:avLst/>
+          </a:prstGeom>
+          <a:ln w="25400" cmpd="sng">
+            <a:solidFill>
+              <a:schemeClr val="tx1"/>
+            </a:solidFill>
+            <a:tailEnd type="arrow"/>
+          </a:ln>
+        </p:spPr>
+        <p:style>
+          <a:lnRef idx="1">
+            <a:schemeClr val="accent1"/>
+          </a:lnRef>
+          <a:fillRef idx="0">
+            <a:schemeClr val="accent1"/>
+          </a:fillRef>
+          <a:effectRef idx="0">
+            <a:schemeClr val="accent1"/>
+          </a:effectRef>
+          <a:fontRef idx="minor">
+            <a:schemeClr val="tx1"/>
+          </a:fontRef>
+        </p:style>
+      </p:cxnSp>
+      <p:sp>
+        <p:nvSpPr>
+          <p:cNvPr id="61" name="TextBox 60"/>
+          <p:cNvSpPr txBox="1"/>
+          <p:nvPr/>
+        </p:nvSpPr>
+        <p:spPr>
+          <a:xfrm>
+            <a:off x="6016662" y="3354379"/>
+            <a:ext cx="404800" cy="338554"/>
+          </a:xfrm>
+          <a:prstGeom prst="rect">
+            <a:avLst/>
+          </a:prstGeom>
+          <a:noFill/>
+        </p:spPr>
+        <p:txBody>
+          <a:bodyPr wrap="square" rtlCol="0">
+            <a:spAutoFit/>
+          </a:bodyPr>
+          <a:lstStyle/>
+          <a:p>
+            <a:r>
+              <a:rPr lang="en-US" sz="1600" dirty="0" smtClean="0"/>
+              <a:t>T</a:t>
+            </a:r>
+            <a:r>
+              <a:rPr lang="en-US" sz="1600" baseline="-25000" dirty="0" smtClean="0"/>
+              <a:t>0</a:t>
+            </a:r>
+            <a:endParaRPr lang="en-US" sz="1600" dirty="0"/>
+          </a:p>
+        </p:txBody>
+      </p:sp>
+      <p:cxnSp>
+        <p:nvCxnSpPr>
+          <p:cNvPr id="62" name="Straight Arrow Connector 61"/>
+          <p:cNvCxnSpPr/>
+          <p:nvPr/>
+        </p:nvCxnSpPr>
+        <p:spPr>
+          <a:xfrm flipV="1">
+            <a:off x="6201536" y="3122329"/>
+            <a:ext cx="1" cy="233324"/>
+          </a:xfrm>
+          <a:prstGeom prst="straightConnector1">
+            <a:avLst/>
+          </a:prstGeom>
+          <a:ln w="25400" cmpd="sng">
+            <a:solidFill>
+              <a:schemeClr val="tx1"/>
+            </a:solidFill>
+            <a:tailEnd type="arrow"/>
+          </a:ln>
+        </p:spPr>
+        <p:style>
+          <a:lnRef idx="1">
+            <a:schemeClr val="accent1"/>
+          </a:lnRef>
+          <a:fillRef idx="0">
+            <a:schemeClr val="accent1"/>
+          </a:fillRef>
+          <a:effectRef idx="0">
+            <a:schemeClr val="accent1"/>
+          </a:effectRef>
+          <a:fontRef idx="minor">
+            <a:schemeClr val="tx1"/>
+          </a:fontRef>
+        </p:style>
+      </p:cxnSp>
+      <p:sp>
+        <p:nvSpPr>
+          <p:cNvPr id="63" name="TextBox 62"/>
+          <p:cNvSpPr txBox="1"/>
+          <p:nvPr/>
+        </p:nvSpPr>
+        <p:spPr>
+          <a:xfrm>
+            <a:off x="6934200" y="3334604"/>
+            <a:ext cx="1429939" cy="830997"/>
+          </a:xfrm>
+          <a:prstGeom prst="rect">
+            <a:avLst/>
+          </a:prstGeom>
+          <a:noFill/>
+        </p:spPr>
+        <p:txBody>
+          <a:bodyPr wrap="square" rtlCol="0">
+            <a:spAutoFit/>
+          </a:bodyPr>
+          <a:lstStyle/>
+          <a:p>
+            <a:pPr algn="ctr"/>
+            <a:r>
+              <a:rPr lang="en-US" sz="1600" dirty="0" smtClean="0"/>
+              <a:t>Tagged Components</a:t>
+            </a:r>
+          </a:p>
+          <a:p>
+            <a:pPr algn="ctr"/>
+            <a:r>
+              <a:rPr lang="en-US" sz="1600" dirty="0" smtClean="0"/>
+              <a:t>Override</a:t>
+            </a:r>
+            <a:endParaRPr lang="en-US" sz="1600" dirty="0"/>
+          </a:p>
+        </p:txBody>
+      </p:sp>
+      <p:cxnSp>
+        <p:nvCxnSpPr>
+          <p:cNvPr id="64" name="Straight Arrow Connector 63"/>
+          <p:cNvCxnSpPr/>
+          <p:nvPr/>
+        </p:nvCxnSpPr>
+        <p:spPr>
+          <a:xfrm flipV="1">
+            <a:off x="7613951" y="3102554"/>
+            <a:ext cx="1" cy="233324"/>
+          </a:xfrm>
+          <a:prstGeom prst="straightConnector1">
+            <a:avLst/>
+          </a:prstGeom>
+          <a:ln w="25400" cmpd="sng">
+            <a:solidFill>
+              <a:schemeClr val="tx1"/>
+            </a:solidFill>
+            <a:tailEnd type="arrow"/>
+          </a:ln>
+        </p:spPr>
+        <p:style>
+          <a:lnRef idx="1">
+            <a:schemeClr val="accent1"/>
+          </a:lnRef>
+          <a:fillRef idx="0">
+            <a:schemeClr val="accent1"/>
+          </a:fillRef>
+          <a:effectRef idx="0">
+            <a:schemeClr val="accent1"/>
+          </a:effectRef>
+          <a:fontRef idx="minor">
+            <a:schemeClr val="tx1"/>
+          </a:fontRef>
+        </p:style>
+      </p:cxnSp>
     </p:spTree>
     <p:extLst>
       <p:ext uri="{BB962C8B-B14F-4D97-AF65-F5344CB8AC3E}">
@@ -31246,9 +32057,659 @@
   <p:timing>
     <p:tnLst>
       <p:par>
-        <p:cTn id="1" dur="indefinite" restart="never" nodeType="tmRoot"/>
+        <p:cTn id="1" dur="indefinite" restart="never" nodeType="tmRoot">
+          <p:childTnLst>
+            <p:seq concurrent="1" nextAc="seek">
+              <p:cTn id="2" dur="indefinite" nodeType="mainSeq">
+                <p:childTnLst>
+                  <p:par>
+                    <p:cTn id="3" fill="hold">
+                      <p:stCondLst>
+                        <p:cond delay="indefinite"/>
+                      </p:stCondLst>
+                      <p:childTnLst>
+                        <p:par>
+                          <p:cTn id="4" fill="hold">
+                            <p:stCondLst>
+                              <p:cond delay="0"/>
+                            </p:stCondLst>
+                            <p:childTnLst>
+                              <p:par>
+                                <p:cTn id="5" presetID="10" presetClass="entr" presetSubtype="0" fill="hold" grpId="0" nodeType="clickEffect">
+                                  <p:stCondLst>
+                                    <p:cond delay="0"/>
+                                  </p:stCondLst>
+                                  <p:childTnLst>
+                                    <p:set>
+                                      <p:cBhvr>
+                                        <p:cTn id="6" dur="1" fill="hold">
+                                          <p:stCondLst>
+                                            <p:cond delay="0"/>
+                                          </p:stCondLst>
+                                        </p:cTn>
+                                        <p:tgtEl>
+                                          <p:spTgt spid="34"/>
+                                        </p:tgtEl>
+                                        <p:attrNameLst>
+                                          <p:attrName>style.visibility</p:attrName>
+                                        </p:attrNameLst>
+                                      </p:cBhvr>
+                                      <p:to>
+                                        <p:strVal val="visible"/>
+                                      </p:to>
+                                    </p:set>
+                                    <p:animEffect transition="in" filter="fade">
+                                      <p:cBhvr>
+                                        <p:cTn id="7" dur="500"/>
+                                        <p:tgtEl>
+                                          <p:spTgt spid="34"/>
+                                        </p:tgtEl>
+                                      </p:cBhvr>
+                                    </p:animEffect>
+                                  </p:childTnLst>
+                                </p:cTn>
+                              </p:par>
+                              <p:par>
+                                <p:cTn id="8" presetID="10" presetClass="entr" presetSubtype="0" fill="hold" nodeType="withEffect">
+                                  <p:stCondLst>
+                                    <p:cond delay="0"/>
+                                  </p:stCondLst>
+                                  <p:childTnLst>
+                                    <p:set>
+                                      <p:cBhvr>
+                                        <p:cTn id="9" dur="1" fill="hold">
+                                          <p:stCondLst>
+                                            <p:cond delay="0"/>
+                                          </p:stCondLst>
+                                        </p:cTn>
+                                        <p:tgtEl>
+                                          <p:spTgt spid="36"/>
+                                        </p:tgtEl>
+                                        <p:attrNameLst>
+                                          <p:attrName>style.visibility</p:attrName>
+                                        </p:attrNameLst>
+                                      </p:cBhvr>
+                                      <p:to>
+                                        <p:strVal val="visible"/>
+                                      </p:to>
+                                    </p:set>
+                                    <p:animEffect transition="in" filter="fade">
+                                      <p:cBhvr>
+                                        <p:cTn id="10" dur="500"/>
+                                        <p:tgtEl>
+                                          <p:spTgt spid="36"/>
+                                        </p:tgtEl>
+                                      </p:cBhvr>
+                                    </p:animEffect>
+                                  </p:childTnLst>
+                                </p:cTn>
+                              </p:par>
+                              <p:par>
+                                <p:cTn id="11" presetID="10" presetClass="entr" presetSubtype="0" fill="hold" grpId="0" nodeType="withEffect">
+                                  <p:stCondLst>
+                                    <p:cond delay="0"/>
+                                  </p:stCondLst>
+                                  <p:childTnLst>
+                                    <p:set>
+                                      <p:cBhvr>
+                                        <p:cTn id="12" dur="1" fill="hold">
+                                          <p:stCondLst>
+                                            <p:cond delay="0"/>
+                                          </p:stCondLst>
+                                        </p:cTn>
+                                        <p:tgtEl>
+                                          <p:spTgt spid="35"/>
+                                        </p:tgtEl>
+                                        <p:attrNameLst>
+                                          <p:attrName>style.visibility</p:attrName>
+                                        </p:attrNameLst>
+                                      </p:cBhvr>
+                                      <p:to>
+                                        <p:strVal val="visible"/>
+                                      </p:to>
+                                    </p:set>
+                                    <p:animEffect transition="in" filter="fade">
+                                      <p:cBhvr>
+                                        <p:cTn id="13" dur="500"/>
+                                        <p:tgtEl>
+                                          <p:spTgt spid="35"/>
+                                        </p:tgtEl>
+                                      </p:cBhvr>
+                                    </p:animEffect>
+                                  </p:childTnLst>
+                                </p:cTn>
+                              </p:par>
+                              <p:par>
+                                <p:cTn id="14" presetID="10" presetClass="entr" presetSubtype="0" fill="hold" nodeType="withEffect">
+                                  <p:stCondLst>
+                                    <p:cond delay="0"/>
+                                  </p:stCondLst>
+                                  <p:childTnLst>
+                                    <p:set>
+                                      <p:cBhvr>
+                                        <p:cTn id="15" dur="1" fill="hold">
+                                          <p:stCondLst>
+                                            <p:cond delay="0"/>
+                                          </p:stCondLst>
+                                        </p:cTn>
+                                        <p:tgtEl>
+                                          <p:spTgt spid="38"/>
+                                        </p:tgtEl>
+                                        <p:attrNameLst>
+                                          <p:attrName>style.visibility</p:attrName>
+                                        </p:attrNameLst>
+                                      </p:cBhvr>
+                                      <p:to>
+                                        <p:strVal val="visible"/>
+                                      </p:to>
+                                    </p:set>
+                                    <p:animEffect transition="in" filter="fade">
+                                      <p:cBhvr>
+                                        <p:cTn id="16" dur="500"/>
+                                        <p:tgtEl>
+                                          <p:spTgt spid="38"/>
+                                        </p:tgtEl>
+                                      </p:cBhvr>
+                                    </p:animEffect>
+                                  </p:childTnLst>
+                                </p:cTn>
+                              </p:par>
+                              <p:par>
+                                <p:cTn id="17" presetID="10" presetClass="entr" presetSubtype="0" fill="hold" grpId="0" nodeType="withEffect">
+                                  <p:stCondLst>
+                                    <p:cond delay="0"/>
+                                  </p:stCondLst>
+                                  <p:childTnLst>
+                                    <p:set>
+                                      <p:cBhvr>
+                                        <p:cTn id="18" dur="1" fill="hold">
+                                          <p:stCondLst>
+                                            <p:cond delay="0"/>
+                                          </p:stCondLst>
+                                        </p:cTn>
+                                        <p:tgtEl>
+                                          <p:spTgt spid="42"/>
+                                        </p:tgtEl>
+                                        <p:attrNameLst>
+                                          <p:attrName>style.visibility</p:attrName>
+                                        </p:attrNameLst>
+                                      </p:cBhvr>
+                                      <p:to>
+                                        <p:strVal val="visible"/>
+                                      </p:to>
+                                    </p:set>
+                                    <p:animEffect transition="in" filter="fade">
+                                      <p:cBhvr>
+                                        <p:cTn id="19" dur="500"/>
+                                        <p:tgtEl>
+                                          <p:spTgt spid="42"/>
+                                        </p:tgtEl>
+                                      </p:cBhvr>
+                                    </p:animEffect>
+                                  </p:childTnLst>
+                                </p:cTn>
+                              </p:par>
+                              <p:par>
+                                <p:cTn id="20" presetID="10" presetClass="entr" presetSubtype="0" fill="hold" grpId="0" nodeType="withEffect">
+                                  <p:stCondLst>
+                                    <p:cond delay="0"/>
+                                  </p:stCondLst>
+                                  <p:childTnLst>
+                                    <p:set>
+                                      <p:cBhvr>
+                                        <p:cTn id="21" dur="1" fill="hold">
+                                          <p:stCondLst>
+                                            <p:cond delay="0"/>
+                                          </p:stCondLst>
+                                        </p:cTn>
+                                        <p:tgtEl>
+                                          <p:spTgt spid="51"/>
+                                        </p:tgtEl>
+                                        <p:attrNameLst>
+                                          <p:attrName>style.visibility</p:attrName>
+                                        </p:attrNameLst>
+                                      </p:cBhvr>
+                                      <p:to>
+                                        <p:strVal val="visible"/>
+                                      </p:to>
+                                    </p:set>
+                                    <p:animEffect transition="in" filter="fade">
+                                      <p:cBhvr>
+                                        <p:cTn id="22" dur="500"/>
+                                        <p:tgtEl>
+                                          <p:spTgt spid="51"/>
+                                        </p:tgtEl>
+                                      </p:cBhvr>
+                                    </p:animEffect>
+                                  </p:childTnLst>
+                                </p:cTn>
+                              </p:par>
+                              <p:par>
+                                <p:cTn id="23" presetID="22" presetClass="entr" presetSubtype="8" fill="hold" grpId="0" nodeType="withEffect">
+                                  <p:stCondLst>
+                                    <p:cond delay="1000"/>
+                                  </p:stCondLst>
+                                  <p:childTnLst>
+                                    <p:set>
+                                      <p:cBhvr>
+                                        <p:cTn id="24" dur="1" fill="hold">
+                                          <p:stCondLst>
+                                            <p:cond delay="0"/>
+                                          </p:stCondLst>
+                                        </p:cTn>
+                                        <p:tgtEl>
+                                          <p:spTgt spid="40"/>
+                                        </p:tgtEl>
+                                        <p:attrNameLst>
+                                          <p:attrName>style.visibility</p:attrName>
+                                        </p:attrNameLst>
+                                      </p:cBhvr>
+                                      <p:to>
+                                        <p:strVal val="visible"/>
+                                      </p:to>
+                                    </p:set>
+                                    <p:animEffect transition="in" filter="wipe(left)">
+                                      <p:cBhvr>
+                                        <p:cTn id="25" dur="500"/>
+                                        <p:tgtEl>
+                                          <p:spTgt spid="40"/>
+                                        </p:tgtEl>
+                                      </p:cBhvr>
+                                    </p:animEffect>
+                                  </p:childTnLst>
+                                </p:cTn>
+                              </p:par>
+                              <p:par>
+                                <p:cTn id="26" presetID="10" presetClass="entr" presetSubtype="0" fill="hold" grpId="0" nodeType="withEffect">
+                                  <p:stCondLst>
+                                    <p:cond delay="1000"/>
+                                  </p:stCondLst>
+                                  <p:childTnLst>
+                                    <p:set>
+                                      <p:cBhvr>
+                                        <p:cTn id="27" dur="1" fill="hold">
+                                          <p:stCondLst>
+                                            <p:cond delay="0"/>
+                                          </p:stCondLst>
+                                        </p:cTn>
+                                        <p:tgtEl>
+                                          <p:spTgt spid="59"/>
+                                        </p:tgtEl>
+                                        <p:attrNameLst>
+                                          <p:attrName>style.visibility</p:attrName>
+                                        </p:attrNameLst>
+                                      </p:cBhvr>
+                                      <p:to>
+                                        <p:strVal val="visible"/>
+                                      </p:to>
+                                    </p:set>
+                                    <p:animEffect transition="in" filter="fade">
+                                      <p:cBhvr>
+                                        <p:cTn id="28" dur="500"/>
+                                        <p:tgtEl>
+                                          <p:spTgt spid="59"/>
+                                        </p:tgtEl>
+                                      </p:cBhvr>
+                                    </p:animEffect>
+                                  </p:childTnLst>
+                                </p:cTn>
+                              </p:par>
+                              <p:par>
+                                <p:cTn id="29" presetID="10" presetClass="entr" presetSubtype="0" fill="hold" nodeType="withEffect">
+                                  <p:stCondLst>
+                                    <p:cond delay="1000"/>
+                                  </p:stCondLst>
+                                  <p:childTnLst>
+                                    <p:set>
+                                      <p:cBhvr>
+                                        <p:cTn id="30" dur="1" fill="hold">
+                                          <p:stCondLst>
+                                            <p:cond delay="0"/>
+                                          </p:stCondLst>
+                                        </p:cTn>
+                                        <p:tgtEl>
+                                          <p:spTgt spid="60"/>
+                                        </p:tgtEl>
+                                        <p:attrNameLst>
+                                          <p:attrName>style.visibility</p:attrName>
+                                        </p:attrNameLst>
+                                      </p:cBhvr>
+                                      <p:to>
+                                        <p:strVal val="visible"/>
+                                      </p:to>
+                                    </p:set>
+                                    <p:animEffect transition="in" filter="fade">
+                                      <p:cBhvr>
+                                        <p:cTn id="31" dur="500"/>
+                                        <p:tgtEl>
+                                          <p:spTgt spid="60"/>
+                                        </p:tgtEl>
+                                      </p:cBhvr>
+                                    </p:animEffect>
+                                  </p:childTnLst>
+                                </p:cTn>
+                              </p:par>
+                            </p:childTnLst>
+                          </p:cTn>
+                        </p:par>
+                        <p:par>
+                          <p:cTn id="32" fill="hold">
+                            <p:stCondLst>
+                              <p:cond delay="1500"/>
+                            </p:stCondLst>
+                            <p:childTnLst>
+                              <p:par>
+                                <p:cTn id="33" presetID="22" presetClass="entr" presetSubtype="8" fill="hold" grpId="0" nodeType="afterEffect">
+                                  <p:stCondLst>
+                                    <p:cond delay="500"/>
+                                  </p:stCondLst>
+                                  <p:childTnLst>
+                                    <p:set>
+                                      <p:cBhvr>
+                                        <p:cTn id="34" dur="1" fill="hold">
+                                          <p:stCondLst>
+                                            <p:cond delay="0"/>
+                                          </p:stCondLst>
+                                        </p:cTn>
+                                        <p:tgtEl>
+                                          <p:spTgt spid="47"/>
+                                        </p:tgtEl>
+                                        <p:attrNameLst>
+                                          <p:attrName>style.visibility</p:attrName>
+                                        </p:attrNameLst>
+                                      </p:cBhvr>
+                                      <p:to>
+                                        <p:strVal val="visible"/>
+                                      </p:to>
+                                    </p:set>
+                                    <p:animEffect transition="in" filter="wipe(left)">
+                                      <p:cBhvr>
+                                        <p:cTn id="35" dur="500"/>
+                                        <p:tgtEl>
+                                          <p:spTgt spid="47"/>
+                                        </p:tgtEl>
+                                      </p:cBhvr>
+                                    </p:animEffect>
+                                  </p:childTnLst>
+                                </p:cTn>
+                              </p:par>
+                            </p:childTnLst>
+                          </p:cTn>
+                        </p:par>
+                      </p:childTnLst>
+                    </p:cTn>
+                  </p:par>
+                  <p:par>
+                    <p:cTn id="36" fill="hold">
+                      <p:stCondLst>
+                        <p:cond delay="indefinite"/>
+                      </p:stCondLst>
+                      <p:childTnLst>
+                        <p:par>
+                          <p:cTn id="37" fill="hold">
+                            <p:stCondLst>
+                              <p:cond delay="0"/>
+                            </p:stCondLst>
+                            <p:childTnLst>
+                              <p:par>
+                                <p:cTn id="38" presetID="22" presetClass="entr" presetSubtype="8" fill="hold" grpId="0" nodeType="clickEffect">
+                                  <p:stCondLst>
+                                    <p:cond delay="0"/>
+                                  </p:stCondLst>
+                                  <p:childTnLst>
+                                    <p:set>
+                                      <p:cBhvr>
+                                        <p:cTn id="39" dur="1" fill="hold">
+                                          <p:stCondLst>
+                                            <p:cond delay="0"/>
+                                          </p:stCondLst>
+                                        </p:cTn>
+                                        <p:tgtEl>
+                                          <p:spTgt spid="49"/>
+                                        </p:tgtEl>
+                                        <p:attrNameLst>
+                                          <p:attrName>style.visibility</p:attrName>
+                                        </p:attrNameLst>
+                                      </p:cBhvr>
+                                      <p:to>
+                                        <p:strVal val="visible"/>
+                                      </p:to>
+                                    </p:set>
+                                    <p:animEffect transition="in" filter="wipe(left)">
+                                      <p:cBhvr>
+                                        <p:cTn id="40" dur="500"/>
+                                        <p:tgtEl>
+                                          <p:spTgt spid="49"/>
+                                        </p:tgtEl>
+                                      </p:cBhvr>
+                                    </p:animEffect>
+                                  </p:childTnLst>
+                                </p:cTn>
+                              </p:par>
+                              <p:par>
+                                <p:cTn id="41" presetID="10" presetClass="entr" presetSubtype="0" fill="hold" nodeType="withEffect">
+                                  <p:stCondLst>
+                                    <p:cond delay="0"/>
+                                  </p:stCondLst>
+                                  <p:childTnLst>
+                                    <p:set>
+                                      <p:cBhvr>
+                                        <p:cTn id="42" dur="1" fill="hold">
+                                          <p:stCondLst>
+                                            <p:cond delay="0"/>
+                                          </p:stCondLst>
+                                        </p:cTn>
+                                        <p:tgtEl>
+                                          <p:spTgt spid="62"/>
+                                        </p:tgtEl>
+                                        <p:attrNameLst>
+                                          <p:attrName>style.visibility</p:attrName>
+                                        </p:attrNameLst>
+                                      </p:cBhvr>
+                                      <p:to>
+                                        <p:strVal val="visible"/>
+                                      </p:to>
+                                    </p:set>
+                                    <p:animEffect transition="in" filter="fade">
+                                      <p:cBhvr>
+                                        <p:cTn id="43" dur="500"/>
+                                        <p:tgtEl>
+                                          <p:spTgt spid="62"/>
+                                        </p:tgtEl>
+                                      </p:cBhvr>
+                                    </p:animEffect>
+                                  </p:childTnLst>
+                                </p:cTn>
+                              </p:par>
+                              <p:par>
+                                <p:cTn id="44" presetID="10" presetClass="entr" presetSubtype="0" fill="hold" grpId="0" nodeType="withEffect">
+                                  <p:stCondLst>
+                                    <p:cond delay="0"/>
+                                  </p:stCondLst>
+                                  <p:childTnLst>
+                                    <p:set>
+                                      <p:cBhvr>
+                                        <p:cTn id="45" dur="1" fill="hold">
+                                          <p:stCondLst>
+                                            <p:cond delay="0"/>
+                                          </p:stCondLst>
+                                        </p:cTn>
+                                        <p:tgtEl>
+                                          <p:spTgt spid="61"/>
+                                        </p:tgtEl>
+                                        <p:attrNameLst>
+                                          <p:attrName>style.visibility</p:attrName>
+                                        </p:attrNameLst>
+                                      </p:cBhvr>
+                                      <p:to>
+                                        <p:strVal val="visible"/>
+                                      </p:to>
+                                    </p:set>
+                                    <p:animEffect transition="in" filter="fade">
+                                      <p:cBhvr>
+                                        <p:cTn id="46" dur="500"/>
+                                        <p:tgtEl>
+                                          <p:spTgt spid="61"/>
+                                        </p:tgtEl>
+                                      </p:cBhvr>
+                                    </p:animEffect>
+                                  </p:childTnLst>
+                                </p:cTn>
+                              </p:par>
+                            </p:childTnLst>
+                          </p:cTn>
+                        </p:par>
+                        <p:par>
+                          <p:cTn id="47" fill="hold">
+                            <p:stCondLst>
+                              <p:cond delay="500"/>
+                            </p:stCondLst>
+                            <p:childTnLst>
+                              <p:par>
+                                <p:cTn id="48" presetID="22" presetClass="entr" presetSubtype="8" fill="hold" grpId="0" nodeType="afterEffect">
+                                  <p:stCondLst>
+                                    <p:cond delay="500"/>
+                                  </p:stCondLst>
+                                  <p:childTnLst>
+                                    <p:set>
+                                      <p:cBhvr>
+                                        <p:cTn id="49" dur="1" fill="hold">
+                                          <p:stCondLst>
+                                            <p:cond delay="0"/>
+                                          </p:stCondLst>
+                                        </p:cTn>
+                                        <p:tgtEl>
+                                          <p:spTgt spid="55"/>
+                                        </p:tgtEl>
+                                        <p:attrNameLst>
+                                          <p:attrName>style.visibility</p:attrName>
+                                        </p:attrNameLst>
+                                      </p:cBhvr>
+                                      <p:to>
+                                        <p:strVal val="visible"/>
+                                      </p:to>
+                                    </p:set>
+                                    <p:animEffect transition="in" filter="wipe(left)">
+                                      <p:cBhvr>
+                                        <p:cTn id="50" dur="500"/>
+                                        <p:tgtEl>
+                                          <p:spTgt spid="55"/>
+                                        </p:tgtEl>
+                                      </p:cBhvr>
+                                    </p:animEffect>
+                                  </p:childTnLst>
+                                </p:cTn>
+                              </p:par>
+                              <p:par>
+                                <p:cTn id="51" presetID="10" presetClass="entr" presetSubtype="0" fill="hold" nodeType="withEffect">
+                                  <p:stCondLst>
+                                    <p:cond delay="500"/>
+                                  </p:stCondLst>
+                                  <p:childTnLst>
+                                    <p:set>
+                                      <p:cBhvr>
+                                        <p:cTn id="52" dur="1" fill="hold">
+                                          <p:stCondLst>
+                                            <p:cond delay="0"/>
+                                          </p:stCondLst>
+                                        </p:cTn>
+                                        <p:tgtEl>
+                                          <p:spTgt spid="64"/>
+                                        </p:tgtEl>
+                                        <p:attrNameLst>
+                                          <p:attrName>style.visibility</p:attrName>
+                                        </p:attrNameLst>
+                                      </p:cBhvr>
+                                      <p:to>
+                                        <p:strVal val="visible"/>
+                                      </p:to>
+                                    </p:set>
+                                    <p:animEffect transition="in" filter="fade">
+                                      <p:cBhvr>
+                                        <p:cTn id="53" dur="500"/>
+                                        <p:tgtEl>
+                                          <p:spTgt spid="64"/>
+                                        </p:tgtEl>
+                                      </p:cBhvr>
+                                    </p:animEffect>
+                                  </p:childTnLst>
+                                </p:cTn>
+                              </p:par>
+                              <p:par>
+                                <p:cTn id="54" presetID="10" presetClass="entr" presetSubtype="0" fill="hold" grpId="0" nodeType="withEffect">
+                                  <p:stCondLst>
+                                    <p:cond delay="500"/>
+                                  </p:stCondLst>
+                                  <p:childTnLst>
+                                    <p:set>
+                                      <p:cBhvr>
+                                        <p:cTn id="55" dur="1" fill="hold">
+                                          <p:stCondLst>
+                                            <p:cond delay="0"/>
+                                          </p:stCondLst>
+                                        </p:cTn>
+                                        <p:tgtEl>
+                                          <p:spTgt spid="63"/>
+                                        </p:tgtEl>
+                                        <p:attrNameLst>
+                                          <p:attrName>style.visibility</p:attrName>
+                                        </p:attrNameLst>
+                                      </p:cBhvr>
+                                      <p:to>
+                                        <p:strVal val="visible"/>
+                                      </p:to>
+                                    </p:set>
+                                    <p:animEffect transition="in" filter="fade">
+                                      <p:cBhvr>
+                                        <p:cTn id="56" dur="500"/>
+                                        <p:tgtEl>
+                                          <p:spTgt spid="63"/>
+                                        </p:tgtEl>
+                                      </p:cBhvr>
+                                    </p:animEffect>
+                                  </p:childTnLst>
+                                </p:cTn>
+                              </p:par>
+                            </p:childTnLst>
+                          </p:cTn>
+                        </p:par>
+                      </p:childTnLst>
+                    </p:cTn>
+                  </p:par>
+                </p:childTnLst>
+              </p:cTn>
+              <p:prevCondLst>
+                <p:cond evt="onPrev" delay="0">
+                  <p:tgtEl>
+                    <p:sldTgt/>
+                  </p:tgtEl>
+                </p:cond>
+              </p:prevCondLst>
+              <p:nextCondLst>
+                <p:cond evt="onNext" delay="0">
+                  <p:tgtEl>
+                    <p:sldTgt/>
+                  </p:tgtEl>
+                </p:cond>
+              </p:nextCondLst>
+            </p:seq>
+          </p:childTnLst>
+        </p:cTn>
       </p:par>
     </p:tnLst>
+    <p:bldLst>
+      <p:bldP spid="34" grpId="0"/>
+      <p:bldP spid="35" grpId="0"/>
+      <p:bldP spid="40" grpId="0" animBg="1"/>
+      <p:bldP spid="42" grpId="0"/>
+      <p:bldP spid="47" grpId="0" animBg="1"/>
+      <p:bldP spid="49" grpId="0" animBg="1"/>
+      <p:bldP spid="51" grpId="0"/>
+      <p:bldP spid="55" grpId="0" animBg="1"/>
+      <p:bldP spid="59" grpId="0"/>
+      <p:bldP spid="61" grpId="0"/>
+      <p:bldP spid="63" grpId="0"/>
+    </p:bldLst>
   </p:timing>
 </p:sld>
 </file>
@@ -34334,17 +35795,24 @@
           <a:p>
             <a:r>
               <a:rPr lang="en-US" dirty="0" smtClean="0"/>
-              <a:t>TAGE is best used as an overriding predictor, and O-TAGE-SC is 5.2% better than the best </a:t>
+              <a:t>TAGE is best used as an overriding predictor. O-TAGE-SC is 5.2% better than </a:t>
             </a:r>
             <a:r>
               <a:rPr lang="en-US" dirty="0" err="1" smtClean="0"/>
               <a:t>gRselect</a:t>
             </a:r>
             <a:r>
-              <a:rPr lang="en-US" dirty="0"/>
+              <a:rPr lang="en-US" dirty="0" smtClean="0"/>
+              <a:t>, and 13.4% better than </a:t>
+            </a:r>
+            <a:r>
+              <a:rPr lang="en-US" cap="small" dirty="0" smtClean="0"/>
+              <a:t>Base</a:t>
+            </a:r>
+            <a:r>
+              <a:rPr lang="en-US" dirty="0" smtClean="0"/>
               <a:t>.</a:t>
             </a:r>
-            <a:endParaRPr lang="en-US" dirty="0" smtClean="0"/>
           </a:p>
         </p:txBody>
       </p:sp>
@@ -34454,16 +35922,140 @@
           <a:lstStyle/>
           <a:p>
             <a:r>
+              <a:rPr lang="en-US" sz="3600" b="1" dirty="0"/>
+              <a:t>Di Wu</a:t>
+            </a:r>
+            <a:r>
+              <a:rPr lang="en-US" dirty="0"/>
+              <a:t>, </a:t>
+            </a:r>
+            <a:r>
+              <a:rPr lang="en-US" dirty="0" err="1"/>
+              <a:t>Kaveh</a:t>
+            </a:r>
+            <a:r>
+              <a:rPr lang="en-US" dirty="0"/>
+              <a:t> </a:t>
+            </a:r>
+            <a:r>
+              <a:rPr lang="en-US" dirty="0" err="1"/>
+              <a:t>Aasaraai</a:t>
+            </a:r>
+            <a:r>
+              <a:rPr lang="en-US" dirty="0"/>
+              <a:t> and Andreas </a:t>
+            </a:r>
+            <a:r>
+              <a:rPr lang="en-US" dirty="0" err="1"/>
+              <a:t>Moshovos</a:t>
+            </a:r>
+            <a:r>
+              <a:rPr lang="en-US" dirty="0"/>
+              <a:t>, "</a:t>
+            </a:r>
+            <a:r>
+              <a:rPr lang="en-US" i="1" dirty="0"/>
+              <a:t>Low-cost, High-performance Branch Predictors for Soft Processors</a:t>
+            </a:r>
+            <a:r>
+              <a:rPr lang="en-US" dirty="0"/>
+              <a:t>", </a:t>
+            </a:r>
+            <a:r>
+              <a:rPr lang="en-US" b="1" dirty="0"/>
+              <a:t>FPL’13</a:t>
+            </a:r>
+            <a:endParaRPr lang="en-US" dirty="0"/>
+          </a:p>
+          <a:p>
+            <a:endParaRPr lang="en-US" b="1" dirty="0" smtClean="0"/>
+          </a:p>
+          <a:p>
+            <a:r>
+              <a:rPr lang="en-US" sz="3600" b="1" dirty="0" smtClean="0"/>
+              <a:t>Di </a:t>
+            </a:r>
+            <a:r>
+              <a:rPr lang="en-US" sz="3600" b="1" dirty="0"/>
+              <a:t>Wu</a:t>
+            </a:r>
+            <a:r>
+              <a:rPr lang="en-US" dirty="0"/>
+              <a:t> and Andreas </a:t>
+            </a:r>
+            <a:r>
+              <a:rPr lang="en-US" dirty="0" err="1"/>
+              <a:t>Moshovos</a:t>
+            </a:r>
+            <a:r>
+              <a:rPr lang="en-US" dirty="0"/>
+              <a:t>, "</a:t>
+            </a:r>
+            <a:r>
+              <a:rPr lang="en-US" i="1" dirty="0"/>
+              <a:t>Image Signal Processors for FPGAs</a:t>
+            </a:r>
+            <a:r>
+              <a:rPr lang="en-US" dirty="0"/>
+              <a:t>“ (poster), </a:t>
+            </a:r>
+            <a:r>
+              <a:rPr lang="en-US" b="1" dirty="0"/>
+              <a:t>FCCM’14</a:t>
+            </a:r>
+            <a:endParaRPr lang="en-US" dirty="0"/>
+          </a:p>
+          <a:p>
+            <a:endParaRPr lang="en-US" dirty="0" smtClean="0"/>
+          </a:p>
+          <a:p>
+            <a:r>
+              <a:rPr lang="en-US" dirty="0" smtClean="0"/>
+              <a:t>Goran </a:t>
+            </a:r>
+            <a:r>
+              <a:rPr lang="en-US" dirty="0" err="1"/>
+              <a:t>Narancic</a:t>
+            </a:r>
+            <a:r>
+              <a:rPr lang="en-US" dirty="0"/>
+              <a:t>, Patrick Judd, </a:t>
+            </a:r>
+            <a:r>
               <a:rPr lang="en-US" b="1" dirty="0"/>
               <a:t>Di Wu</a:t>
             </a:r>
             <a:r>
               <a:rPr lang="en-US" dirty="0"/>
+              <a:t>, Islam Atta, Michel El </a:t>
+            </a:r>
+            <a:r>
+              <a:rPr lang="en-US" dirty="0" err="1"/>
+              <a:t>Nacouzi</a:t>
+            </a:r>
+            <a:r>
+              <a:rPr lang="en-US" dirty="0"/>
+              <a:t>, Jason </a:t>
+            </a:r>
+            <a:r>
+              <a:rPr lang="en-US" dirty="0" err="1"/>
+              <a:t>Zebchuk</a:t>
+            </a:r>
+            <a:r>
+              <a:rPr lang="en-US" dirty="0"/>
+              <a:t>, Natalie Enright </a:t>
+            </a:r>
+            <a:r>
+              <a:rPr lang="en-US" dirty="0" err="1"/>
+              <a:t>Jerger</a:t>
+            </a:r>
+            <a:r>
+              <a:rPr lang="en-US" dirty="0"/>
               <a:t>, </a:t>
             </a:r>
             <a:r>
               <a:rPr lang="en-US" dirty="0" err="1"/>
-              <a:t>Kaveh</a:t>
+              <a:t>Serag</a:t>
             </a:r>
             <a:r>
               <a:rPr lang="en-US" dirty="0"/>
@@ -34471,11 +36063,27 @@
             </a:r>
             <a:r>
               <a:rPr lang="en-US" dirty="0" err="1"/>
-              <a:t>Aasaraai</a:t>
+              <a:t>Gadelrab</a:t>
             </a:r>
             <a:r>
               <a:rPr lang="en-US" dirty="0"/>
-              <a:t> and Andreas </a:t>
+              <a:t>, </a:t>
+            </a:r>
+            <a:r>
+              <a:rPr lang="en-US" dirty="0" err="1"/>
+              <a:t>Kyros</a:t>
+            </a:r>
+            <a:r>
+              <a:rPr lang="en-US" dirty="0"/>
+              <a:t> </a:t>
+            </a:r>
+            <a:r>
+              <a:rPr lang="en-US" dirty="0" err="1"/>
+              <a:t>Kutulakos</a:t>
+            </a:r>
+            <a:r>
+              <a:rPr lang="en-US" dirty="0"/>
+              <a:t>, Andreas </a:t>
             </a:r>
             <a:r>
               <a:rPr lang="en-US" dirty="0" err="1"/>
@@ -34483,146 +36091,6 @@
             </a:r>
             <a:r>
               <a:rPr lang="en-US" dirty="0"/>
-              <a:t>, "</a:t>
-            </a:r>
-            <a:r>
-              <a:rPr lang="en-US" i="1" dirty="0"/>
-              <a:t>Low-cost, High-performance Branch Predictors for Soft Processors</a:t>
-            </a:r>
-            <a:r>
-              <a:rPr lang="en-US" dirty="0"/>
-              <a:t>", </a:t>
-            </a:r>
-            <a:r>
-              <a:rPr lang="en-US" b="1" dirty="0"/>
-              <a:t>FPL’13</a:t>
-            </a:r>
-            <a:endParaRPr lang="en-US" dirty="0"/>
-          </a:p>
-          <a:p>
-            <a:endParaRPr lang="en-US" b="1" dirty="0" smtClean="0"/>
-          </a:p>
-          <a:p>
-            <a:r>
-              <a:rPr lang="en-US" b="1" dirty="0" smtClean="0"/>
-              <a:t>Di </a:t>
-            </a:r>
-            <a:r>
-              <a:rPr lang="en-US" b="1" dirty="0"/>
-              <a:t>Wu</a:t>
-            </a:r>
-            <a:r>
-              <a:rPr lang="en-US" dirty="0"/>
-              <a:t> and Andreas </a:t>
-            </a:r>
-            <a:r>
-              <a:rPr lang="en-US" dirty="0" err="1"/>
-              <a:t>Moshovos</a:t>
-            </a:r>
-            <a:r>
-              <a:rPr lang="en-US" dirty="0"/>
-              <a:t>, "</a:t>
-            </a:r>
-            <a:r>
-              <a:rPr lang="en-US" i="1" dirty="0"/>
-              <a:t>Image Signal Processors for FPGAs</a:t>
-            </a:r>
-            <a:r>
-              <a:rPr lang="en-US" dirty="0"/>
-              <a:t>“ (poster), </a:t>
-            </a:r>
-            <a:r>
-              <a:rPr lang="en-US" b="1" dirty="0"/>
-              <a:t>FCCM’14</a:t>
-            </a:r>
-            <a:endParaRPr lang="en-US" dirty="0"/>
-          </a:p>
-          <a:p>
-            <a:endParaRPr lang="en-US" dirty="0" smtClean="0"/>
-          </a:p>
-          <a:p>
-            <a:r>
-              <a:rPr lang="en-US" dirty="0" smtClean="0"/>
-              <a:t>Goran </a:t>
-            </a:r>
-            <a:r>
-              <a:rPr lang="en-US" dirty="0" err="1"/>
-              <a:t>Narancic</a:t>
-            </a:r>
-            <a:r>
-              <a:rPr lang="en-US" dirty="0"/>
-              <a:t>, Patrick Judd, </a:t>
-            </a:r>
-            <a:r>
-              <a:rPr lang="en-US" b="1" dirty="0"/>
-              <a:t>Di Wu</a:t>
-            </a:r>
-            <a:r>
-              <a:rPr lang="en-US" dirty="0"/>
-              <a:t>, Islam Atta, Michel El </a:t>
-            </a:r>
-            <a:r>
-              <a:rPr lang="en-US" dirty="0" err="1"/>
-              <a:t>Nacouzi</a:t>
-            </a:r>
-            <a:r>
-              <a:rPr lang="en-US" dirty="0"/>
-              <a:t>, Jason </a:t>
-            </a:r>
-            <a:r>
-              <a:rPr lang="en-US" dirty="0" err="1"/>
-              <a:t>Zebchuk</a:t>
-            </a:r>
-            <a:r>
-              <a:rPr lang="en-US" dirty="0"/>
-              <a:t>, Natalie Enright </a:t>
-            </a:r>
-            <a:r>
-              <a:rPr lang="en-US" dirty="0" err="1"/>
-              <a:t>Jerger</a:t>
-            </a:r>
-            <a:r>
-              <a:rPr lang="en-US" dirty="0"/>
-              <a:t>, </a:t>
-            </a:r>
-            <a:r>
-              <a:rPr lang="en-US" dirty="0" err="1"/>
-              <a:t>Serag</a:t>
-            </a:r>
-            <a:r>
-              <a:rPr lang="en-US" dirty="0"/>
-              <a:t> </a:t>
-            </a:r>
-            <a:r>
-              <a:rPr lang="en-US" dirty="0" err="1"/>
-              <a:t>Gadelrab</a:t>
-            </a:r>
-            <a:r>
-              <a:rPr lang="en-US" dirty="0"/>
-              <a:t>, </a:t>
-            </a:r>
-            <a:r>
-              <a:rPr lang="en-US" dirty="0" err="1"/>
-              <a:t>Kyros</a:t>
-            </a:r>
-            <a:r>
-              <a:rPr lang="en-US" dirty="0"/>
-              <a:t> </a:t>
-            </a:r>
-            <a:r>
-              <a:rPr lang="en-US" dirty="0" err="1"/>
-              <a:t>Kutulakos</a:t>
-            </a:r>
-            <a:r>
-              <a:rPr lang="en-US" dirty="0"/>
-              <a:t>, Andreas </a:t>
-            </a:r>
-            <a:r>
-              <a:rPr lang="en-US" dirty="0" err="1"/>
-              <a:t>Moshovos</a:t>
-            </a:r>
-            <a:r>
-              <a:rPr lang="en-US" dirty="0"/>
               <a:t> and Jorge </a:t>
             </a:r>
             <a:r>
@@ -34663,8 +36131,12 @@
           </a:p>
           <a:p>
             <a:r>
+              <a:rPr lang="en-US" sz="3600" b="1" dirty="0" smtClean="0"/>
+              <a:t>Di Wu</a:t>
+            </a:r>
+            <a:r>
               <a:rPr lang="en-US" dirty="0" smtClean="0"/>
-              <a:t>Di Wu and Andreas </a:t>
+              <a:t> and Andreas </a:t>
             </a:r>
             <a:r>
               <a:rPr lang="en-US" dirty="0" err="1" smtClean="0"/>
